--- a/2022/3月/10-03-2022.pptx
+++ b/2022/3月/10-03-2022.pptx
@@ -30,16 +30,17 @@
     <p:sldId id="269" r:id="rId24"/>
     <p:sldId id="272" r:id="rId25"/>
     <p:sldId id="273" r:id="rId26"/>
-    <p:sldId id="274" r:id="rId27"/>
-    <p:sldId id="275" r:id="rId28"/>
-    <p:sldId id="276" r:id="rId29"/>
-    <p:sldId id="287" r:id="rId30"/>
-    <p:sldId id="288" r:id="rId31"/>
-    <p:sldId id="289" r:id="rId32"/>
-    <p:sldId id="290" r:id="rId33"/>
-    <p:sldId id="291" r:id="rId34"/>
-    <p:sldId id="293" r:id="rId35"/>
-    <p:sldId id="292" r:id="rId36"/>
+    <p:sldId id="294" r:id="rId27"/>
+    <p:sldId id="274" r:id="rId28"/>
+    <p:sldId id="275" r:id="rId29"/>
+    <p:sldId id="276" r:id="rId30"/>
+    <p:sldId id="287" r:id="rId31"/>
+    <p:sldId id="288" r:id="rId32"/>
+    <p:sldId id="289" r:id="rId33"/>
+    <p:sldId id="290" r:id="rId34"/>
+    <p:sldId id="291" r:id="rId35"/>
+    <p:sldId id="293" r:id="rId36"/>
+    <p:sldId id="292" r:id="rId37"/>
   </p:sldIdLst>
   <p:sldSz cx="12192000" cy="6858000"/>
   <p:notesSz cx="6858000" cy="9144000"/>
@@ -322,6 +323,7 @@
           <a:p>
             <a:fld id="{87D25A9A-FF88-49EC-8ED3-A97DED7D81DF}" type="datetimeFigureOut">
               <a:rPr lang="vi-VN" smtClean="0"/>
+              <a:pPr/>
               <a:t>01/03/2022</a:t>
             </a:fld>
             <a:endParaRPr lang="vi-VN"/>
@@ -364,6 +366,7 @@
           <a:p>
             <a:fld id="{82CB2E44-0725-45B2-8AB6-A043C17EF413}" type="slidenum">
               <a:rPr lang="vi-VN" smtClean="0"/>
+              <a:pPr/>
               <a:t>‹#›</a:t>
             </a:fld>
             <a:endParaRPr lang="vi-VN"/>
@@ -373,7 +376,7 @@
     </p:spTree>
     <p:extLst>
       <p:ext uri="{BB962C8B-B14F-4D97-AF65-F5344CB8AC3E}">
-        <p14:creationId xmlns:p14="http://schemas.microsoft.com/office/powerpoint/2010/main" val="3781738282"/>
+        <p14:creationId xmlns:p14="http://schemas.microsoft.com/office/powerpoint/2010/main" xmlns="" val="3781738282"/>
       </p:ext>
     </p:extLst>
   </p:cSld>
@@ -492,6 +495,7 @@
           <a:p>
             <a:fld id="{87D25A9A-FF88-49EC-8ED3-A97DED7D81DF}" type="datetimeFigureOut">
               <a:rPr lang="vi-VN" smtClean="0"/>
+              <a:pPr/>
               <a:t>01/03/2022</a:t>
             </a:fld>
             <a:endParaRPr lang="vi-VN"/>
@@ -534,6 +538,7 @@
           <a:p>
             <a:fld id="{82CB2E44-0725-45B2-8AB6-A043C17EF413}" type="slidenum">
               <a:rPr lang="vi-VN" smtClean="0"/>
+              <a:pPr/>
               <a:t>‹#›</a:t>
             </a:fld>
             <a:endParaRPr lang="vi-VN"/>
@@ -543,7 +548,7 @@
     </p:spTree>
     <p:extLst>
       <p:ext uri="{BB962C8B-B14F-4D97-AF65-F5344CB8AC3E}">
-        <p14:creationId xmlns:p14="http://schemas.microsoft.com/office/powerpoint/2010/main" val="2459887511"/>
+        <p14:creationId xmlns:p14="http://schemas.microsoft.com/office/powerpoint/2010/main" xmlns="" val="2459887511"/>
       </p:ext>
     </p:extLst>
   </p:cSld>
@@ -672,6 +677,7 @@
           <a:p>
             <a:fld id="{87D25A9A-FF88-49EC-8ED3-A97DED7D81DF}" type="datetimeFigureOut">
               <a:rPr lang="vi-VN" smtClean="0"/>
+              <a:pPr/>
               <a:t>01/03/2022</a:t>
             </a:fld>
             <a:endParaRPr lang="vi-VN"/>
@@ -714,6 +720,7 @@
           <a:p>
             <a:fld id="{82CB2E44-0725-45B2-8AB6-A043C17EF413}" type="slidenum">
               <a:rPr lang="vi-VN" smtClean="0"/>
+              <a:pPr/>
               <a:t>‹#›</a:t>
             </a:fld>
             <a:endParaRPr lang="vi-VN"/>
@@ -723,7 +730,7 @@
     </p:spTree>
     <p:extLst>
       <p:ext uri="{BB962C8B-B14F-4D97-AF65-F5344CB8AC3E}">
-        <p14:creationId xmlns:p14="http://schemas.microsoft.com/office/powerpoint/2010/main" val="3146476691"/>
+        <p14:creationId xmlns:p14="http://schemas.microsoft.com/office/powerpoint/2010/main" xmlns="" val="3146476691"/>
       </p:ext>
     </p:extLst>
   </p:cSld>
@@ -842,6 +849,7 @@
           <a:p>
             <a:fld id="{87D25A9A-FF88-49EC-8ED3-A97DED7D81DF}" type="datetimeFigureOut">
               <a:rPr lang="vi-VN" smtClean="0"/>
+              <a:pPr/>
               <a:t>01/03/2022</a:t>
             </a:fld>
             <a:endParaRPr lang="vi-VN"/>
@@ -884,6 +892,7 @@
           <a:p>
             <a:fld id="{82CB2E44-0725-45B2-8AB6-A043C17EF413}" type="slidenum">
               <a:rPr lang="vi-VN" smtClean="0"/>
+              <a:pPr/>
               <a:t>‹#›</a:t>
             </a:fld>
             <a:endParaRPr lang="vi-VN"/>
@@ -893,7 +902,7 @@
     </p:spTree>
     <p:extLst>
       <p:ext uri="{BB962C8B-B14F-4D97-AF65-F5344CB8AC3E}">
-        <p14:creationId xmlns:p14="http://schemas.microsoft.com/office/powerpoint/2010/main" val="3469184198"/>
+        <p14:creationId xmlns:p14="http://schemas.microsoft.com/office/powerpoint/2010/main" xmlns="" val="3469184198"/>
       </p:ext>
     </p:extLst>
   </p:cSld>
@@ -1088,6 +1097,7 @@
           <a:p>
             <a:fld id="{87D25A9A-FF88-49EC-8ED3-A97DED7D81DF}" type="datetimeFigureOut">
               <a:rPr lang="vi-VN" smtClean="0"/>
+              <a:pPr/>
               <a:t>01/03/2022</a:t>
             </a:fld>
             <a:endParaRPr lang="vi-VN"/>
@@ -1130,6 +1140,7 @@
           <a:p>
             <a:fld id="{82CB2E44-0725-45B2-8AB6-A043C17EF413}" type="slidenum">
               <a:rPr lang="vi-VN" smtClean="0"/>
+              <a:pPr/>
               <a:t>‹#›</a:t>
             </a:fld>
             <a:endParaRPr lang="vi-VN"/>
@@ -1139,7 +1150,7 @@
     </p:spTree>
     <p:extLst>
       <p:ext uri="{BB962C8B-B14F-4D97-AF65-F5344CB8AC3E}">
-        <p14:creationId xmlns:p14="http://schemas.microsoft.com/office/powerpoint/2010/main" val="2472993474"/>
+        <p14:creationId xmlns:p14="http://schemas.microsoft.com/office/powerpoint/2010/main" xmlns="" val="2472993474"/>
       </p:ext>
     </p:extLst>
   </p:cSld>
@@ -1376,6 +1387,7 @@
           <a:p>
             <a:fld id="{87D25A9A-FF88-49EC-8ED3-A97DED7D81DF}" type="datetimeFigureOut">
               <a:rPr lang="vi-VN" smtClean="0"/>
+              <a:pPr/>
               <a:t>01/03/2022</a:t>
             </a:fld>
             <a:endParaRPr lang="vi-VN"/>
@@ -1418,6 +1430,7 @@
           <a:p>
             <a:fld id="{82CB2E44-0725-45B2-8AB6-A043C17EF413}" type="slidenum">
               <a:rPr lang="vi-VN" smtClean="0"/>
+              <a:pPr/>
               <a:t>‹#›</a:t>
             </a:fld>
             <a:endParaRPr lang="vi-VN"/>
@@ -1427,7 +1440,7 @@
     </p:spTree>
     <p:extLst>
       <p:ext uri="{BB962C8B-B14F-4D97-AF65-F5344CB8AC3E}">
-        <p14:creationId xmlns:p14="http://schemas.microsoft.com/office/powerpoint/2010/main" val="3082352091"/>
+        <p14:creationId xmlns:p14="http://schemas.microsoft.com/office/powerpoint/2010/main" xmlns="" val="3082352091"/>
       </p:ext>
     </p:extLst>
   </p:cSld>
@@ -1798,6 +1811,7 @@
           <a:p>
             <a:fld id="{87D25A9A-FF88-49EC-8ED3-A97DED7D81DF}" type="datetimeFigureOut">
               <a:rPr lang="vi-VN" smtClean="0"/>
+              <a:pPr/>
               <a:t>01/03/2022</a:t>
             </a:fld>
             <a:endParaRPr lang="vi-VN"/>
@@ -1840,6 +1854,7 @@
           <a:p>
             <a:fld id="{82CB2E44-0725-45B2-8AB6-A043C17EF413}" type="slidenum">
               <a:rPr lang="vi-VN" smtClean="0"/>
+              <a:pPr/>
               <a:t>‹#›</a:t>
             </a:fld>
             <a:endParaRPr lang="vi-VN"/>
@@ -1849,7 +1864,7 @@
     </p:spTree>
     <p:extLst>
       <p:ext uri="{BB962C8B-B14F-4D97-AF65-F5344CB8AC3E}">
-        <p14:creationId xmlns:p14="http://schemas.microsoft.com/office/powerpoint/2010/main" val="231662247"/>
+        <p14:creationId xmlns:p14="http://schemas.microsoft.com/office/powerpoint/2010/main" xmlns="" val="231662247"/>
       </p:ext>
     </p:extLst>
   </p:cSld>
@@ -1916,6 +1931,7 @@
           <a:p>
             <a:fld id="{87D25A9A-FF88-49EC-8ED3-A97DED7D81DF}" type="datetimeFigureOut">
               <a:rPr lang="vi-VN" smtClean="0"/>
+              <a:pPr/>
               <a:t>01/03/2022</a:t>
             </a:fld>
             <a:endParaRPr lang="vi-VN"/>
@@ -1958,6 +1974,7 @@
           <a:p>
             <a:fld id="{82CB2E44-0725-45B2-8AB6-A043C17EF413}" type="slidenum">
               <a:rPr lang="vi-VN" smtClean="0"/>
+              <a:pPr/>
               <a:t>‹#›</a:t>
             </a:fld>
             <a:endParaRPr lang="vi-VN"/>
@@ -1967,7 +1984,7 @@
     </p:spTree>
     <p:extLst>
       <p:ext uri="{BB962C8B-B14F-4D97-AF65-F5344CB8AC3E}">
-        <p14:creationId xmlns:p14="http://schemas.microsoft.com/office/powerpoint/2010/main" val="2545965800"/>
+        <p14:creationId xmlns:p14="http://schemas.microsoft.com/office/powerpoint/2010/main" xmlns="" val="2545965800"/>
       </p:ext>
     </p:extLst>
   </p:cSld>
@@ -2011,6 +2028,7 @@
           <a:p>
             <a:fld id="{87D25A9A-FF88-49EC-8ED3-A97DED7D81DF}" type="datetimeFigureOut">
               <a:rPr lang="vi-VN" smtClean="0"/>
+              <a:pPr/>
               <a:t>01/03/2022</a:t>
             </a:fld>
             <a:endParaRPr lang="vi-VN"/>
@@ -2053,6 +2071,7 @@
           <a:p>
             <a:fld id="{82CB2E44-0725-45B2-8AB6-A043C17EF413}" type="slidenum">
               <a:rPr lang="vi-VN" smtClean="0"/>
+              <a:pPr/>
               <a:t>‹#›</a:t>
             </a:fld>
             <a:endParaRPr lang="vi-VN"/>
@@ -2062,7 +2081,7 @@
     </p:spTree>
     <p:extLst>
       <p:ext uri="{BB962C8B-B14F-4D97-AF65-F5344CB8AC3E}">
-        <p14:creationId xmlns:p14="http://schemas.microsoft.com/office/powerpoint/2010/main" val="2476417833"/>
+        <p14:creationId xmlns:p14="http://schemas.microsoft.com/office/powerpoint/2010/main" xmlns="" val="2476417833"/>
       </p:ext>
     </p:extLst>
   </p:cSld>
@@ -2288,6 +2307,7 @@
           <a:p>
             <a:fld id="{87D25A9A-FF88-49EC-8ED3-A97DED7D81DF}" type="datetimeFigureOut">
               <a:rPr lang="vi-VN" smtClean="0"/>
+              <a:pPr/>
               <a:t>01/03/2022</a:t>
             </a:fld>
             <a:endParaRPr lang="vi-VN"/>
@@ -2330,6 +2350,7 @@
           <a:p>
             <a:fld id="{82CB2E44-0725-45B2-8AB6-A043C17EF413}" type="slidenum">
               <a:rPr lang="vi-VN" smtClean="0"/>
+              <a:pPr/>
               <a:t>‹#›</a:t>
             </a:fld>
             <a:endParaRPr lang="vi-VN"/>
@@ -2339,7 +2360,7 @@
     </p:spTree>
     <p:extLst>
       <p:ext uri="{BB962C8B-B14F-4D97-AF65-F5344CB8AC3E}">
-        <p14:creationId xmlns:p14="http://schemas.microsoft.com/office/powerpoint/2010/main" val="3372308418"/>
+        <p14:creationId xmlns:p14="http://schemas.microsoft.com/office/powerpoint/2010/main" xmlns="" val="3372308418"/>
       </p:ext>
     </p:extLst>
   </p:cSld>
@@ -2545,6 +2566,7 @@
           <a:p>
             <a:fld id="{87D25A9A-FF88-49EC-8ED3-A97DED7D81DF}" type="datetimeFigureOut">
               <a:rPr lang="vi-VN" smtClean="0"/>
+              <a:pPr/>
               <a:t>01/03/2022</a:t>
             </a:fld>
             <a:endParaRPr lang="vi-VN"/>
@@ -2587,6 +2609,7 @@
           <a:p>
             <a:fld id="{82CB2E44-0725-45B2-8AB6-A043C17EF413}" type="slidenum">
               <a:rPr lang="vi-VN" smtClean="0"/>
+              <a:pPr/>
               <a:t>‹#›</a:t>
             </a:fld>
             <a:endParaRPr lang="vi-VN"/>
@@ -2596,7 +2619,7 @@
     </p:spTree>
     <p:extLst>
       <p:ext uri="{BB962C8B-B14F-4D97-AF65-F5344CB8AC3E}">
-        <p14:creationId xmlns:p14="http://schemas.microsoft.com/office/powerpoint/2010/main" val="3906561237"/>
+        <p14:creationId xmlns:p14="http://schemas.microsoft.com/office/powerpoint/2010/main" xmlns="" val="3906561237"/>
       </p:ext>
     </p:extLst>
   </p:cSld>
@@ -2763,6 +2786,7 @@
           <a:p>
             <a:fld id="{87D25A9A-FF88-49EC-8ED3-A97DED7D81DF}" type="datetimeFigureOut">
               <a:rPr lang="vi-VN" smtClean="0"/>
+              <a:pPr/>
               <a:t>01/03/2022</a:t>
             </a:fld>
             <a:endParaRPr lang="vi-VN"/>
@@ -2841,6 +2865,7 @@
           <a:p>
             <a:fld id="{82CB2E44-0725-45B2-8AB6-A043C17EF413}" type="slidenum">
               <a:rPr lang="vi-VN" smtClean="0"/>
+              <a:pPr/>
               <a:t>‹#›</a:t>
             </a:fld>
             <a:endParaRPr lang="vi-VN"/>
@@ -2850,7 +2875,7 @@
     </p:spTree>
     <p:extLst>
       <p:ext uri="{BB962C8B-B14F-4D97-AF65-F5344CB8AC3E}">
-        <p14:creationId xmlns:p14="http://schemas.microsoft.com/office/powerpoint/2010/main" val="3421197444"/>
+        <p14:creationId xmlns:p14="http://schemas.microsoft.com/office/powerpoint/2010/main" xmlns="" val="3421197444"/>
       </p:ext>
     </p:extLst>
   </p:cSld>
@@ -3200,7 +3225,7 @@
     </p:spTree>
     <p:extLst>
       <p:ext uri="{BB962C8B-B14F-4D97-AF65-F5344CB8AC3E}">
-        <p14:creationId xmlns:p14="http://schemas.microsoft.com/office/powerpoint/2010/main" val="2277693416"/>
+        <p14:creationId xmlns:p14="http://schemas.microsoft.com/office/powerpoint/2010/main" xmlns="" val="2277693416"/>
       </p:ext>
     </p:extLst>
   </p:cSld>
@@ -3261,18 +3286,7 @@
                 <a:latin typeface="微軟正黑體" pitchFamily="34" charset="-120"/>
                 <a:ea typeface="微軟正黑體" pitchFamily="34" charset="-120"/>
               </a:rPr>
-              <a:t>讓祢的手替我爭</a:t>
-            </a:r>
-            <a:r>
-              <a:rPr lang="zh-TW" altLang="en-US" sz="6400" b="1" dirty="0">
-                <a:solidFill>
-                  <a:srgbClr val="000066"/>
-                </a:solidFill>
-                <a:effectLst/>
-                <a:latin typeface="微軟正黑體" pitchFamily="34" charset="-120"/>
-                <a:ea typeface="微軟正黑體" pitchFamily="34" charset="-120"/>
-              </a:rPr>
-              <a:t>戰</a:t>
+              <a:t>讓祢的手替我爭戰</a:t>
             </a:r>
             <a:endParaRPr lang="en-US" altLang="zh-TW" sz="6400" b="1" dirty="0">
               <a:solidFill>
@@ -3296,18 +3310,7 @@
                 <a:latin typeface="微軟正黑體" pitchFamily="34" charset="-120"/>
                 <a:ea typeface="微軟正黑體" pitchFamily="34" charset="-120"/>
               </a:rPr>
-              <a:t>奉</a:t>
-            </a:r>
-            <a:r>
-              <a:rPr lang="zh-TW" altLang="en-US" sz="6400" b="1" dirty="0">
-                <a:solidFill>
-                  <a:srgbClr val="000066"/>
-                </a:solidFill>
-                <a:effectLst/>
-                <a:latin typeface="微軟正黑體" pitchFamily="34" charset="-120"/>
-                <a:ea typeface="微軟正黑體" pitchFamily="34" charset="-120"/>
-              </a:rPr>
-              <a:t>祢的名成就美事</a:t>
+              <a:t>奉祢的名成就美事</a:t>
             </a:r>
             <a:endParaRPr lang="en-US" altLang="zh-TW" sz="6400" b="1" dirty="0">
               <a:solidFill>
@@ -3389,7 +3392,7 @@
     </p:spTree>
     <p:extLst>
       <p:ext uri="{BB962C8B-B14F-4D97-AF65-F5344CB8AC3E}">
-        <p14:creationId xmlns:p14="http://schemas.microsoft.com/office/powerpoint/2010/main" val="103819029"/>
+        <p14:creationId xmlns:p14="http://schemas.microsoft.com/office/powerpoint/2010/main" xmlns="" val="103819029"/>
       </p:ext>
     </p:extLst>
   </p:cSld>
@@ -3554,7 +3557,7 @@
     </p:spTree>
     <p:extLst>
       <p:ext uri="{BB962C8B-B14F-4D97-AF65-F5344CB8AC3E}">
-        <p14:creationId xmlns:p14="http://schemas.microsoft.com/office/powerpoint/2010/main" val="1652937349"/>
+        <p14:creationId xmlns:p14="http://schemas.microsoft.com/office/powerpoint/2010/main" xmlns="" val="1652937349"/>
       </p:ext>
     </p:extLst>
   </p:cSld>
@@ -3809,7 +3812,7 @@
     </p:spTree>
     <p:extLst>
       <p:ext uri="{BB962C8B-B14F-4D97-AF65-F5344CB8AC3E}">
-        <p14:creationId xmlns:p14="http://schemas.microsoft.com/office/powerpoint/2010/main" val="4272199326"/>
+        <p14:creationId xmlns:p14="http://schemas.microsoft.com/office/powerpoint/2010/main" xmlns="" val="4272199326"/>
       </p:ext>
     </p:extLst>
   </p:cSld>
@@ -3870,40 +3873,7 @@
                 <a:latin typeface="微軟正黑體" pitchFamily="34" charset="-120"/>
                 <a:ea typeface="微軟正黑體" pitchFamily="34" charset="-120"/>
               </a:rPr>
-              <a:t>是我磐石與拯救 </a:t>
-            </a:r>
-            <a:r>
-              <a:rPr lang="zh-TW" altLang="en-US" sz="6400" b="1" dirty="0">
-                <a:solidFill>
-                  <a:srgbClr val="000066"/>
-                </a:solidFill>
-                <a:effectLst/>
-                <a:latin typeface="微軟正黑體" pitchFamily="34" charset="-120"/>
-                <a:ea typeface="微軟正黑體" pitchFamily="34" charset="-120"/>
-              </a:rPr>
-              <a:t> 是</a:t>
-            </a:r>
-            <a:r>
-              <a:rPr lang="zh-TW" altLang="en-US" sz="6400" b="1" dirty="0">
-                <a:solidFill>
-                  <a:srgbClr val="000066"/>
-                </a:solidFill>
-                <a:effectLst/>
-                <a:latin typeface="微軟正黑體" pitchFamily="34" charset="-120"/>
-                <a:ea typeface="微軟正黑體" pitchFamily="34" charset="-120"/>
-              </a:rPr>
-              <a:t>我高臺與詩</a:t>
-            </a:r>
-            <a:r>
-              <a:rPr lang="zh-TW" altLang="en-US" sz="6400" b="1" dirty="0">
-                <a:solidFill>
-                  <a:srgbClr val="000066"/>
-                </a:solidFill>
-                <a:effectLst/>
-                <a:latin typeface="微軟正黑體" pitchFamily="34" charset="-120"/>
-                <a:ea typeface="微軟正黑體" pitchFamily="34" charset="-120"/>
-              </a:rPr>
-              <a:t>歌</a:t>
+              <a:t>是我磐石與拯救  是我高臺與詩歌</a:t>
             </a:r>
             <a:endParaRPr lang="en-US" altLang="zh-TW" sz="6400" b="1" dirty="0">
               <a:solidFill>
@@ -3927,40 +3897,7 @@
                 <a:latin typeface="微軟正黑體" pitchFamily="34" charset="-120"/>
                 <a:ea typeface="微軟正黑體" pitchFamily="34" charset="-120"/>
               </a:rPr>
-              <a:t>祢</a:t>
-            </a:r>
-            <a:r>
-              <a:rPr lang="zh-TW" altLang="en-US" sz="6400" b="1" dirty="0">
-                <a:solidFill>
-                  <a:srgbClr val="000066"/>
-                </a:solidFill>
-                <a:effectLst/>
-                <a:latin typeface="微軟正黑體" pitchFamily="34" charset="-120"/>
-                <a:ea typeface="微軟正黑體" pitchFamily="34" charset="-120"/>
-              </a:rPr>
-              <a:t>體恤我 </a:t>
-            </a:r>
-            <a:r>
-              <a:rPr lang="zh-TW" altLang="en-US" sz="6400" b="1" dirty="0">
-                <a:solidFill>
-                  <a:srgbClr val="000066"/>
-                </a:solidFill>
-                <a:effectLst/>
-                <a:latin typeface="微軟正黑體" pitchFamily="34" charset="-120"/>
-                <a:ea typeface="微軟正黑體" pitchFamily="34" charset="-120"/>
-              </a:rPr>
-              <a:t> 祢</a:t>
-            </a:r>
-            <a:r>
-              <a:rPr lang="zh-TW" altLang="en-US" sz="6400" b="1" dirty="0">
-                <a:solidFill>
-                  <a:srgbClr val="000066"/>
-                </a:solidFill>
-                <a:effectLst/>
-                <a:latin typeface="微軟正黑體" pitchFamily="34" charset="-120"/>
-                <a:ea typeface="微軟正黑體" pitchFamily="34" charset="-120"/>
-              </a:rPr>
-              <a:t>保守我 </a:t>
+              <a:t>祢體恤我  祢保守我 </a:t>
             </a:r>
             <a:endParaRPr lang="en-US" altLang="zh-TW" sz="6400" b="1" dirty="0">
               <a:solidFill>
@@ -4042,7 +3979,7 @@
     </p:spTree>
     <p:extLst>
       <p:ext uri="{BB962C8B-B14F-4D97-AF65-F5344CB8AC3E}">
-        <p14:creationId xmlns:p14="http://schemas.microsoft.com/office/powerpoint/2010/main" val="100269529"/>
+        <p14:creationId xmlns:p14="http://schemas.microsoft.com/office/powerpoint/2010/main" xmlns="" val="100269529"/>
       </p:ext>
     </p:extLst>
   </p:cSld>
@@ -4297,7 +4234,7 @@
     </p:spTree>
     <p:extLst>
       <p:ext uri="{BB962C8B-B14F-4D97-AF65-F5344CB8AC3E}">
-        <p14:creationId xmlns:p14="http://schemas.microsoft.com/office/powerpoint/2010/main" val="1329294701"/>
+        <p14:creationId xmlns:p14="http://schemas.microsoft.com/office/powerpoint/2010/main" xmlns="" val="1329294701"/>
       </p:ext>
     </p:extLst>
   </p:cSld>
@@ -4380,18 +4317,7 @@
                 <a:latin typeface="微軟正黑體" pitchFamily="34" charset="-120"/>
                 <a:ea typeface="微軟正黑體" pitchFamily="34" charset="-120"/>
               </a:rPr>
-              <a:t>我盾牌與幫</a:t>
-            </a:r>
-            <a:r>
-              <a:rPr lang="zh-TW" altLang="en-US" sz="6400" b="1" dirty="0">
-                <a:solidFill>
-                  <a:srgbClr val="000066"/>
-                </a:solidFill>
-                <a:effectLst/>
-                <a:latin typeface="微軟正黑體" pitchFamily="34" charset="-120"/>
-                <a:ea typeface="微軟正黑體" pitchFamily="34" charset="-120"/>
-              </a:rPr>
-              <a:t>助</a:t>
+              <a:t>我盾牌與幫助</a:t>
             </a:r>
             <a:endParaRPr lang="en-US" altLang="zh-TW" sz="6400" b="1" dirty="0">
               <a:solidFill>
@@ -4415,40 +4341,7 @@
                 <a:latin typeface="微軟正黑體" pitchFamily="34" charset="-120"/>
                 <a:ea typeface="微軟正黑體" pitchFamily="34" charset="-120"/>
               </a:rPr>
-              <a:t>祢</a:t>
-            </a:r>
-            <a:r>
-              <a:rPr lang="zh-TW" altLang="en-US" sz="6400" b="1" dirty="0">
-                <a:solidFill>
-                  <a:srgbClr val="000066"/>
-                </a:solidFill>
-                <a:effectLst/>
-                <a:latin typeface="微軟正黑體" pitchFamily="34" charset="-120"/>
-                <a:ea typeface="微軟正黑體" pitchFamily="34" charset="-120"/>
-              </a:rPr>
-              <a:t>應許我 </a:t>
-            </a:r>
-            <a:r>
-              <a:rPr lang="zh-TW" altLang="en-US" sz="6400" b="1" dirty="0">
-                <a:solidFill>
-                  <a:srgbClr val="000066"/>
-                </a:solidFill>
-                <a:effectLst/>
-                <a:latin typeface="微軟正黑體" pitchFamily="34" charset="-120"/>
-                <a:ea typeface="微軟正黑體" pitchFamily="34" charset="-120"/>
-              </a:rPr>
-              <a:t> 祢</a:t>
-            </a:r>
-            <a:r>
-              <a:rPr lang="zh-TW" altLang="en-US" sz="6400" b="1" dirty="0">
-                <a:solidFill>
-                  <a:srgbClr val="000066"/>
-                </a:solidFill>
-                <a:effectLst/>
-                <a:latin typeface="微軟正黑體" pitchFamily="34" charset="-120"/>
-                <a:ea typeface="微軟正黑體" pitchFamily="34" charset="-120"/>
-              </a:rPr>
-              <a:t>在掌舵</a:t>
+              <a:t>祢應許我  祢在掌舵</a:t>
             </a:r>
             <a:endParaRPr lang="en-US" altLang="zh-TW" sz="6400" b="1" dirty="0">
               <a:solidFill>
@@ -4530,7 +4423,7 @@
     </p:spTree>
     <p:extLst>
       <p:ext uri="{BB962C8B-B14F-4D97-AF65-F5344CB8AC3E}">
-        <p14:creationId xmlns:p14="http://schemas.microsoft.com/office/powerpoint/2010/main" val="746738295"/>
+        <p14:creationId xmlns:p14="http://schemas.microsoft.com/office/powerpoint/2010/main" xmlns="" val="746738295"/>
       </p:ext>
     </p:extLst>
   </p:cSld>
@@ -4591,40 +4484,7 @@
                 <a:latin typeface="微軟正黑體" pitchFamily="34" charset="-120"/>
                 <a:ea typeface="微軟正黑體" pitchFamily="34" charset="-120"/>
               </a:rPr>
-              <a:t>我向祢禱告 </a:t>
-            </a:r>
-            <a:r>
-              <a:rPr lang="zh-TW" altLang="en-US" sz="6400" b="1" dirty="0">
-                <a:solidFill>
-                  <a:srgbClr val="000066"/>
-                </a:solidFill>
-                <a:effectLst/>
-                <a:latin typeface="微軟正黑體" pitchFamily="34" charset="-120"/>
-                <a:ea typeface="微軟正黑體" pitchFamily="34" charset="-120"/>
-              </a:rPr>
-              <a:t> 縱</a:t>
-            </a:r>
-            <a:r>
-              <a:rPr lang="zh-TW" altLang="en-US" sz="6400" b="1" dirty="0">
-                <a:solidFill>
-                  <a:srgbClr val="000066"/>
-                </a:solidFill>
-                <a:effectLst/>
-                <a:latin typeface="微軟正黑體" pitchFamily="34" charset="-120"/>
-                <a:ea typeface="微軟正黑體" pitchFamily="34" charset="-120"/>
-              </a:rPr>
-              <a:t>使我軟</a:t>
-            </a:r>
-            <a:r>
-              <a:rPr lang="zh-TW" altLang="en-US" sz="6400" b="1" dirty="0">
-                <a:solidFill>
-                  <a:srgbClr val="000066"/>
-                </a:solidFill>
-                <a:effectLst/>
-                <a:latin typeface="微軟正黑體" pitchFamily="34" charset="-120"/>
-                <a:ea typeface="微軟正黑體" pitchFamily="34" charset="-120"/>
-              </a:rPr>
-              <a:t>弱</a:t>
+              <a:t>我向祢禱告  縱使我軟弱</a:t>
             </a:r>
             <a:endParaRPr lang="en-US" altLang="zh-TW" sz="6400" b="1" dirty="0">
               <a:solidFill>
@@ -4648,40 +4508,7 @@
                 <a:latin typeface="微軟正黑體" pitchFamily="34" charset="-120"/>
                 <a:ea typeface="微軟正黑體" pitchFamily="34" charset="-120"/>
               </a:rPr>
-              <a:t>我</a:t>
-            </a:r>
-            <a:r>
-              <a:rPr lang="zh-TW" altLang="en-US" sz="6400" b="1" dirty="0">
-                <a:solidFill>
-                  <a:srgbClr val="000066"/>
-                </a:solidFill>
-                <a:effectLst/>
-                <a:latin typeface="微軟正黑體" pitchFamily="34" charset="-120"/>
-                <a:ea typeface="微軟正黑體" pitchFamily="34" charset="-120"/>
-              </a:rPr>
-              <a:t>雖失信 </a:t>
-            </a:r>
-            <a:r>
-              <a:rPr lang="zh-TW" altLang="en-US" sz="6400" b="1" dirty="0">
-                <a:solidFill>
-                  <a:srgbClr val="000066"/>
-                </a:solidFill>
-                <a:effectLst/>
-                <a:latin typeface="微軟正黑體" pitchFamily="34" charset="-120"/>
-                <a:ea typeface="微軟正黑體" pitchFamily="34" charset="-120"/>
-              </a:rPr>
-              <a:t> 祢</a:t>
-            </a:r>
-            <a:r>
-              <a:rPr lang="zh-TW" altLang="en-US" sz="6400" b="1" dirty="0">
-                <a:solidFill>
-                  <a:srgbClr val="000066"/>
-                </a:solidFill>
-                <a:effectLst/>
-                <a:latin typeface="微軟正黑體" pitchFamily="34" charset="-120"/>
-                <a:ea typeface="微軟正黑體" pitchFamily="34" charset="-120"/>
-              </a:rPr>
-              <a:t>仍然可信</a:t>
+              <a:t>我雖失信  祢仍然可信</a:t>
             </a:r>
             <a:endParaRPr lang="en-US" altLang="zh-TW" sz="6400" b="1" dirty="0">
               <a:solidFill>
@@ -4763,7 +4590,7 @@
     </p:spTree>
     <p:extLst>
       <p:ext uri="{BB962C8B-B14F-4D97-AF65-F5344CB8AC3E}">
-        <p14:creationId xmlns:p14="http://schemas.microsoft.com/office/powerpoint/2010/main" val="2113431355"/>
+        <p14:creationId xmlns:p14="http://schemas.microsoft.com/office/powerpoint/2010/main" xmlns="" val="2113431355"/>
       </p:ext>
     </p:extLst>
   </p:cSld>
@@ -4824,18 +4651,7 @@
                 <a:latin typeface="微軟正黑體" pitchFamily="34" charset="-120"/>
                 <a:ea typeface="微軟正黑體" pitchFamily="34" charset="-120"/>
               </a:rPr>
-              <a:t>面對的山嶺那麼</a:t>
-            </a:r>
-            <a:r>
-              <a:rPr lang="zh-TW" altLang="en-US" sz="6400" b="1" dirty="0">
-                <a:solidFill>
-                  <a:srgbClr val="000066"/>
-                </a:solidFill>
-                <a:effectLst/>
-                <a:latin typeface="微軟正黑體" pitchFamily="34" charset="-120"/>
-                <a:ea typeface="微軟正黑體" pitchFamily="34" charset="-120"/>
-              </a:rPr>
-              <a:t>高</a:t>
+              <a:t>面對的山嶺那麼高</a:t>
             </a:r>
             <a:endParaRPr lang="en-US" altLang="zh-TW" sz="6400" b="1" dirty="0">
               <a:solidFill>
@@ -4859,18 +4675,7 @@
                 <a:latin typeface="微軟正黑體" pitchFamily="34" charset="-120"/>
                 <a:ea typeface="微軟正黑體" pitchFamily="34" charset="-120"/>
               </a:rPr>
-              <a:t>路</a:t>
-            </a:r>
-            <a:r>
-              <a:rPr lang="zh-TW" altLang="en-US" sz="6400" b="1" dirty="0">
-                <a:solidFill>
-                  <a:srgbClr val="000066"/>
-                </a:solidFill>
-                <a:effectLst/>
-                <a:latin typeface="微軟正黑體" pitchFamily="34" charset="-120"/>
-                <a:ea typeface="微軟正黑體" pitchFamily="34" charset="-120"/>
-              </a:rPr>
-              <a:t>徑艱難如沒去路</a:t>
+              <a:t>路徑艱難如沒去路</a:t>
             </a:r>
             <a:endParaRPr lang="en-US" altLang="zh-TW" sz="6400" b="1" dirty="0">
               <a:solidFill>
@@ -4952,7 +4757,7 @@
     </p:spTree>
     <p:extLst>
       <p:ext uri="{BB962C8B-B14F-4D97-AF65-F5344CB8AC3E}">
-        <p14:creationId xmlns:p14="http://schemas.microsoft.com/office/powerpoint/2010/main" val="2556015019"/>
+        <p14:creationId xmlns:p14="http://schemas.microsoft.com/office/powerpoint/2010/main" xmlns="" val="2556015019"/>
       </p:ext>
     </p:extLst>
   </p:cSld>
@@ -5013,29 +4818,7 @@
                 <a:latin typeface="微軟正黑體" pitchFamily="34" charset="-120"/>
                 <a:ea typeface="微軟正黑體" pitchFamily="34" charset="-120"/>
               </a:rPr>
-              <a:t>但信靠祢 </a:t>
-            </a:r>
-            <a:r>
-              <a:rPr lang="zh-CN" altLang="en-US" sz="6400" b="1" dirty="0">
-                <a:solidFill>
-                  <a:srgbClr val="000066"/>
-                </a:solidFill>
-                <a:effectLst/>
-                <a:latin typeface="微軟正黑體" pitchFamily="34" charset="-120"/>
-                <a:ea typeface="微軟正黑體" pitchFamily="34" charset="-120"/>
-              </a:rPr>
-              <a:t> 祢</a:t>
-            </a:r>
-            <a:r>
-              <a:rPr lang="zh-CN" altLang="en-US" sz="6400" b="1" dirty="0">
-                <a:solidFill>
-                  <a:srgbClr val="000066"/>
-                </a:solidFill>
-                <a:effectLst/>
-                <a:latin typeface="微軟正黑體" pitchFamily="34" charset="-120"/>
-                <a:ea typeface="微軟正黑體" pitchFamily="34" charset="-120"/>
-              </a:rPr>
-              <a:t>定會開路</a:t>
+              <a:t>但信靠祢  祢定會開路</a:t>
             </a:r>
             <a:endParaRPr lang="en-US" altLang="zh-TW" sz="6400" b="1" dirty="0">
               <a:solidFill>
@@ -5117,7 +4900,7 @@
     </p:spTree>
     <p:extLst>
       <p:ext uri="{BB962C8B-B14F-4D97-AF65-F5344CB8AC3E}">
-        <p14:creationId xmlns:p14="http://schemas.microsoft.com/office/powerpoint/2010/main" val="2410885378"/>
+        <p14:creationId xmlns:p14="http://schemas.microsoft.com/office/powerpoint/2010/main" xmlns="" val="2410885378"/>
       </p:ext>
     </p:extLst>
   </p:cSld>
@@ -5178,29 +4961,7 @@
                 <a:latin typeface="微軟正黑體" pitchFamily="34" charset="-120"/>
                 <a:ea typeface="微軟正黑體" pitchFamily="34" charset="-120"/>
               </a:rPr>
-              <a:t>向世界宣告 </a:t>
-            </a:r>
-            <a:r>
-              <a:rPr lang="zh-TW" altLang="en-US" sz="6400" b="1" dirty="0">
-                <a:solidFill>
-                  <a:srgbClr val="000066"/>
-                </a:solidFill>
-                <a:effectLst/>
-                <a:latin typeface="微軟正黑體" pitchFamily="34" charset="-120"/>
-                <a:ea typeface="微軟正黑體" pitchFamily="34" charset="-120"/>
-              </a:rPr>
-              <a:t>  祢</a:t>
-            </a:r>
-            <a:r>
-              <a:rPr lang="zh-TW" altLang="en-US" sz="6400" b="1" dirty="0">
-                <a:solidFill>
-                  <a:srgbClr val="000066"/>
-                </a:solidFill>
-                <a:effectLst/>
-                <a:latin typeface="微軟正黑體" pitchFamily="34" charset="-120"/>
-                <a:ea typeface="微軟正黑體" pitchFamily="34" charset="-120"/>
-              </a:rPr>
-              <a:t>是我盼望 </a:t>
+              <a:t>向世界宣告   祢是我盼望 </a:t>
             </a:r>
             <a:endParaRPr lang="en-US" altLang="zh-TW" sz="6400" b="1" dirty="0">
               <a:solidFill>
@@ -5224,7 +4985,18 @@
                 <a:latin typeface="微軟正黑體" pitchFamily="34" charset="-120"/>
                 <a:ea typeface="微軟正黑體" pitchFamily="34" charset="-120"/>
               </a:rPr>
-              <a:t>我</a:t>
+              <a:t>我心相信 </a:t>
+            </a:r>
+            <a:r>
+              <a:rPr lang="en-US" altLang="zh-TW" sz="6400" b="1" dirty="0">
+                <a:solidFill>
+                  <a:srgbClr val="000066"/>
+                </a:solidFill>
+                <a:effectLst/>
+                <a:latin typeface="微軟正黑體" pitchFamily="34" charset="-120"/>
+                <a:ea typeface="微軟正黑體" pitchFamily="34" charset="-120"/>
+              </a:rPr>
+              <a:t>  </a:t>
             </a:r>
             <a:r>
               <a:rPr lang="zh-TW" altLang="en-US" sz="6400" b="1" dirty="0">
@@ -5235,73 +5007,7 @@
                 <a:latin typeface="微軟正黑體" pitchFamily="34" charset="-120"/>
                 <a:ea typeface="微軟正黑體" pitchFamily="34" charset="-120"/>
               </a:rPr>
-              <a:t>心相信 </a:t>
-            </a:r>
-            <a:r>
-              <a:rPr lang="en-US" altLang="zh-TW" sz="6400" b="1" dirty="0">
-                <a:solidFill>
-                  <a:srgbClr val="000066"/>
-                </a:solidFill>
-                <a:effectLst/>
-                <a:latin typeface="微軟正黑體" pitchFamily="34" charset="-120"/>
-                <a:ea typeface="微軟正黑體" pitchFamily="34" charset="-120"/>
-              </a:rPr>
-              <a:t> </a:t>
-            </a:r>
-            <a:r>
-              <a:rPr lang="en-US" altLang="zh-TW" sz="6400" b="1" dirty="0">
-                <a:solidFill>
-                  <a:srgbClr val="000066"/>
-                </a:solidFill>
-                <a:effectLst/>
-                <a:latin typeface="微軟正黑體" pitchFamily="34" charset="-120"/>
-                <a:ea typeface="微軟正黑體" pitchFamily="34" charset="-120"/>
-              </a:rPr>
-              <a:t> </a:t>
-            </a:r>
-            <a:r>
-              <a:rPr lang="zh-TW" altLang="en-US" sz="6400" b="1" dirty="0">
-                <a:solidFill>
-                  <a:srgbClr val="000066"/>
-                </a:solidFill>
-                <a:effectLst/>
-                <a:latin typeface="微軟正黑體" pitchFamily="34" charset="-120"/>
-                <a:ea typeface="微軟正黑體" pitchFamily="34" charset="-120"/>
-              </a:rPr>
-              <a:t>靠</a:t>
-            </a:r>
-            <a:r>
-              <a:rPr lang="zh-TW" altLang="en-US" sz="6400" b="1" dirty="0">
-                <a:solidFill>
-                  <a:srgbClr val="000066"/>
-                </a:solidFill>
-                <a:effectLst/>
-                <a:latin typeface="微軟正黑體" pitchFamily="34" charset="-120"/>
-                <a:ea typeface="微軟正黑體" pitchFamily="34" charset="-120"/>
-              </a:rPr>
-              <a:t>著</a:t>
-            </a:r>
-            <a:r>
-              <a:rPr lang="zh-TW" altLang="en-US" sz="6400" b="1" dirty="0">
-                <a:solidFill>
-                  <a:srgbClr val="000066"/>
-                </a:solidFill>
-                <a:effectLst/>
-                <a:latin typeface="微軟正黑體" pitchFamily="34" charset="-120"/>
-                <a:ea typeface="微軟正黑體" pitchFamily="34" charset="-120"/>
-              </a:rPr>
-              <a:t>祢得</a:t>
-            </a:r>
-            <a:r>
-              <a:rPr lang="zh-TW" altLang="en-US" sz="6400" b="1" dirty="0">
-                <a:solidFill>
-                  <a:srgbClr val="000066"/>
-                </a:solidFill>
-                <a:effectLst/>
-                <a:latin typeface="微軟正黑體" pitchFamily="34" charset="-120"/>
-                <a:ea typeface="微軟正黑體" pitchFamily="34" charset="-120"/>
-              </a:rPr>
-              <a:t>勝 </a:t>
+              <a:t>靠著祢得勝 </a:t>
             </a:r>
             <a:endParaRPr lang="en-US" altLang="zh-TW" sz="6400" b="1" dirty="0">
               <a:solidFill>
@@ -5383,7 +5089,7 @@
     </p:spTree>
     <p:extLst>
       <p:ext uri="{BB962C8B-B14F-4D97-AF65-F5344CB8AC3E}">
-        <p14:creationId xmlns:p14="http://schemas.microsoft.com/office/powerpoint/2010/main" val="1564505320"/>
+        <p14:creationId xmlns:p14="http://schemas.microsoft.com/office/powerpoint/2010/main" xmlns="" val="1564505320"/>
       </p:ext>
     </p:extLst>
   </p:cSld>
@@ -5638,7 +5344,7 @@
     </p:spTree>
     <p:extLst>
       <p:ext uri="{BB962C8B-B14F-4D97-AF65-F5344CB8AC3E}">
-        <p14:creationId xmlns:p14="http://schemas.microsoft.com/office/powerpoint/2010/main" val="1546229090"/>
+        <p14:creationId xmlns:p14="http://schemas.microsoft.com/office/powerpoint/2010/main" xmlns="" val="1546229090"/>
       </p:ext>
     </p:extLst>
   </p:cSld>
@@ -5699,18 +5405,7 @@
                 <a:latin typeface="微軟正黑體" pitchFamily="34" charset="-120"/>
                 <a:ea typeface="微軟正黑體" pitchFamily="34" charset="-120"/>
               </a:rPr>
-              <a:t>讓祢的手替我爭</a:t>
-            </a:r>
-            <a:r>
-              <a:rPr lang="zh-TW" altLang="en-US" sz="6400" b="1" dirty="0">
-                <a:solidFill>
-                  <a:srgbClr val="000066"/>
-                </a:solidFill>
-                <a:effectLst/>
-                <a:latin typeface="微軟正黑體" pitchFamily="34" charset="-120"/>
-                <a:ea typeface="微軟正黑體" pitchFamily="34" charset="-120"/>
-              </a:rPr>
-              <a:t>戰</a:t>
+              <a:t>讓祢的手替我爭戰</a:t>
             </a:r>
             <a:endParaRPr lang="en-US" altLang="zh-TW" sz="6400" b="1" dirty="0">
               <a:solidFill>
@@ -5734,18 +5429,7 @@
                 <a:latin typeface="微軟正黑體" pitchFamily="34" charset="-120"/>
                 <a:ea typeface="微軟正黑體" pitchFamily="34" charset="-120"/>
               </a:rPr>
-              <a:t>奉</a:t>
-            </a:r>
-            <a:r>
-              <a:rPr lang="zh-TW" altLang="en-US" sz="6400" b="1" dirty="0">
-                <a:solidFill>
-                  <a:srgbClr val="000066"/>
-                </a:solidFill>
-                <a:effectLst/>
-                <a:latin typeface="微軟正黑體" pitchFamily="34" charset="-120"/>
-                <a:ea typeface="微軟正黑體" pitchFamily="34" charset="-120"/>
-              </a:rPr>
-              <a:t>祢的名成就美事</a:t>
+              <a:t>奉祢的名成就美事</a:t>
             </a:r>
             <a:endParaRPr lang="en-US" altLang="zh-TW" sz="6400" b="1" dirty="0">
               <a:solidFill>
@@ -5827,7 +5511,7 @@
     </p:spTree>
     <p:extLst>
       <p:ext uri="{BB962C8B-B14F-4D97-AF65-F5344CB8AC3E}">
-        <p14:creationId xmlns:p14="http://schemas.microsoft.com/office/powerpoint/2010/main" val="4111599948"/>
+        <p14:creationId xmlns:p14="http://schemas.microsoft.com/office/powerpoint/2010/main" xmlns="" val="4111599948"/>
       </p:ext>
     </p:extLst>
   </p:cSld>
@@ -5992,7 +5676,7 @@
     </p:spTree>
     <p:extLst>
       <p:ext uri="{BB962C8B-B14F-4D97-AF65-F5344CB8AC3E}">
-        <p14:creationId xmlns:p14="http://schemas.microsoft.com/office/powerpoint/2010/main" val="3971875912"/>
+        <p14:creationId xmlns:p14="http://schemas.microsoft.com/office/powerpoint/2010/main" xmlns="" val="3971875912"/>
       </p:ext>
     </p:extLst>
   </p:cSld>
@@ -6053,40 +5737,7 @@
                 <a:latin typeface="微軟正黑體" pitchFamily="34" charset="-120"/>
                 <a:ea typeface="微軟正黑體" pitchFamily="34" charset="-120"/>
               </a:rPr>
-              <a:t>我看著眾山嶺 </a:t>
-            </a:r>
-            <a:r>
-              <a:rPr lang="zh-TW" altLang="en-US" sz="6400" b="1" dirty="0">
-                <a:solidFill>
-                  <a:srgbClr val="000066"/>
-                </a:solidFill>
-                <a:effectLst/>
-                <a:latin typeface="微軟正黑體" pitchFamily="34" charset="-120"/>
-                <a:ea typeface="微軟正黑體" pitchFamily="34" charset="-120"/>
-              </a:rPr>
-              <a:t> 吩</a:t>
-            </a:r>
-            <a:r>
-              <a:rPr lang="zh-TW" altLang="en-US" sz="6400" b="1" dirty="0">
-                <a:solidFill>
-                  <a:srgbClr val="000066"/>
-                </a:solidFill>
-                <a:effectLst/>
-                <a:latin typeface="微軟正黑體" pitchFamily="34" charset="-120"/>
-                <a:ea typeface="微軟正黑體" pitchFamily="34" charset="-120"/>
-              </a:rPr>
-              <a:t>咐它們挪</a:t>
-            </a:r>
-            <a:r>
-              <a:rPr lang="zh-TW" altLang="en-US" sz="6400" b="1" dirty="0">
-                <a:solidFill>
-                  <a:srgbClr val="000066"/>
-                </a:solidFill>
-                <a:effectLst/>
-                <a:latin typeface="微軟正黑體" pitchFamily="34" charset="-120"/>
-                <a:ea typeface="微軟正黑體" pitchFamily="34" charset="-120"/>
-              </a:rPr>
-              <a:t>開</a:t>
+              <a:t>我看著眾山嶺  吩咐它們挪開</a:t>
             </a:r>
             <a:endParaRPr lang="en-US" altLang="zh-TW" sz="6400" b="1" dirty="0">
               <a:solidFill>
@@ -6110,18 +5761,7 @@
                 <a:latin typeface="微軟正黑體" pitchFamily="34" charset="-120"/>
                 <a:ea typeface="微軟正黑體" pitchFamily="34" charset="-120"/>
               </a:rPr>
-              <a:t>在</a:t>
-            </a:r>
-            <a:r>
-              <a:rPr lang="zh-TW" altLang="en-US" sz="6400" b="1" dirty="0">
-                <a:solidFill>
-                  <a:srgbClr val="000066"/>
-                </a:solidFill>
-                <a:effectLst/>
-                <a:latin typeface="微軟正黑體" pitchFamily="34" charset="-120"/>
-                <a:ea typeface="微軟正黑體" pitchFamily="34" charset="-120"/>
-              </a:rPr>
-              <a:t>祢並沒有難成的事</a:t>
+              <a:t>在祢並沒有難成的事</a:t>
             </a:r>
             <a:endParaRPr lang="en-US" altLang="zh-TW" sz="6400" b="1" dirty="0">
               <a:solidFill>
@@ -6203,7 +5843,7 @@
     </p:spTree>
     <p:extLst>
       <p:ext uri="{BB962C8B-B14F-4D97-AF65-F5344CB8AC3E}">
-        <p14:creationId xmlns:p14="http://schemas.microsoft.com/office/powerpoint/2010/main" val="4097765326"/>
+        <p14:creationId xmlns:p14="http://schemas.microsoft.com/office/powerpoint/2010/main" xmlns="" val="4097765326"/>
       </p:ext>
     </p:extLst>
   </p:cSld>
@@ -6264,40 +5904,7 @@
                 <a:latin typeface="微軟正黑體" pitchFamily="34" charset="-120"/>
                 <a:ea typeface="微軟正黑體" pitchFamily="34" charset="-120"/>
               </a:rPr>
-              <a:t>祢教導我禱告 </a:t>
-            </a:r>
-            <a:r>
-              <a:rPr lang="zh-TW" altLang="en-US" sz="6400" b="1" dirty="0">
-                <a:solidFill>
-                  <a:srgbClr val="000066"/>
-                </a:solidFill>
-                <a:effectLst/>
-                <a:latin typeface="微軟正黑體" pitchFamily="34" charset="-120"/>
-                <a:ea typeface="微軟正黑體" pitchFamily="34" charset="-120"/>
-              </a:rPr>
-              <a:t> 要</a:t>
-            </a:r>
-            <a:r>
-              <a:rPr lang="zh-TW" altLang="en-US" sz="6400" b="1" dirty="0">
-                <a:solidFill>
-                  <a:srgbClr val="000066"/>
-                </a:solidFill>
-                <a:effectLst/>
-                <a:latin typeface="微軟正黑體" pitchFamily="34" charset="-120"/>
-                <a:ea typeface="微軟正黑體" pitchFamily="34" charset="-120"/>
-              </a:rPr>
-              <a:t>帶著信</a:t>
-            </a:r>
-            <a:r>
-              <a:rPr lang="zh-TW" altLang="en-US" sz="6400" b="1" dirty="0">
-                <a:solidFill>
-                  <a:srgbClr val="000066"/>
-                </a:solidFill>
-                <a:effectLst/>
-                <a:latin typeface="微軟正黑體" pitchFamily="34" charset="-120"/>
-                <a:ea typeface="微軟正黑體" pitchFamily="34" charset="-120"/>
-              </a:rPr>
-              <a:t>心宣告</a:t>
+              <a:t>祢教導我禱告  要帶著信心宣告</a:t>
             </a:r>
             <a:endParaRPr lang="en-US" altLang="zh-TW" sz="6400" b="1" dirty="0">
               <a:solidFill>
@@ -6321,18 +5928,7 @@
                 <a:latin typeface="微軟正黑體" pitchFamily="34" charset="-120"/>
                 <a:ea typeface="微軟正黑體" pitchFamily="34" charset="-120"/>
               </a:rPr>
-              <a:t>相</a:t>
-            </a:r>
-            <a:r>
-              <a:rPr lang="zh-TW" altLang="en-US" sz="6400" b="1" dirty="0">
-                <a:solidFill>
-                  <a:srgbClr val="000066"/>
-                </a:solidFill>
-                <a:effectLst/>
-                <a:latin typeface="微軟正黑體" pitchFamily="34" charset="-120"/>
-                <a:ea typeface="微軟正黑體" pitchFamily="34" charset="-120"/>
-              </a:rPr>
-              <a:t>信祢定會聽到</a:t>
+              <a:t>相信祢定會聽到</a:t>
             </a:r>
             <a:endParaRPr lang="en-US" altLang="zh-TW" sz="6400" b="1" dirty="0">
               <a:solidFill>
@@ -6414,7 +6010,7 @@
     </p:spTree>
     <p:extLst>
       <p:ext uri="{BB962C8B-B14F-4D97-AF65-F5344CB8AC3E}">
-        <p14:creationId xmlns:p14="http://schemas.microsoft.com/office/powerpoint/2010/main" val="905733014"/>
+        <p14:creationId xmlns:p14="http://schemas.microsoft.com/office/powerpoint/2010/main" xmlns="" val="905733014"/>
       </p:ext>
     </p:extLst>
   </p:cSld>
@@ -6475,29 +6071,7 @@
                 <a:latin typeface="微軟正黑體" pitchFamily="34" charset="-120"/>
                 <a:ea typeface="微軟正黑體" pitchFamily="34" charset="-120"/>
               </a:rPr>
-              <a:t>向世界宣告 </a:t>
-            </a:r>
-            <a:r>
-              <a:rPr lang="zh-TW" altLang="en-US" sz="6400" b="1" dirty="0">
-                <a:solidFill>
-                  <a:srgbClr val="000066"/>
-                </a:solidFill>
-                <a:effectLst/>
-                <a:latin typeface="微軟正黑體" pitchFamily="34" charset="-120"/>
-                <a:ea typeface="微軟正黑體" pitchFamily="34" charset="-120"/>
-              </a:rPr>
-              <a:t>  祢</a:t>
-            </a:r>
-            <a:r>
-              <a:rPr lang="zh-TW" altLang="en-US" sz="6400" b="1" dirty="0">
-                <a:solidFill>
-                  <a:srgbClr val="000066"/>
-                </a:solidFill>
-                <a:effectLst/>
-                <a:latin typeface="微軟正黑體" pitchFamily="34" charset="-120"/>
-                <a:ea typeface="微軟正黑體" pitchFamily="34" charset="-120"/>
-              </a:rPr>
-              <a:t>是我盼望 </a:t>
+              <a:t>向世界宣告   祢是我盼望 </a:t>
             </a:r>
             <a:endParaRPr lang="en-US" altLang="zh-TW" sz="6400" b="1" dirty="0">
               <a:solidFill>
@@ -6565,18 +6139,7 @@
                 <a:latin typeface="微軟正黑體" pitchFamily="34" charset="-120"/>
                 <a:ea typeface="微軟正黑體" pitchFamily="34" charset="-120"/>
               </a:rPr>
-              <a:t>勝 </a:t>
-            </a:r>
-            <a:r>
-              <a:rPr lang="zh-TW" altLang="en-US" sz="6400" b="1" dirty="0">
-                <a:solidFill>
-                  <a:srgbClr val="000066"/>
-                </a:solidFill>
-                <a:effectLst/>
-                <a:latin typeface="微軟正黑體" pitchFamily="34" charset="-120"/>
-                <a:ea typeface="微軟正黑體" pitchFamily="34" charset="-120"/>
-              </a:rPr>
-              <a:t> </a:t>
+              <a:t>勝  </a:t>
             </a:r>
             <a:endParaRPr lang="en-US" altLang="zh-TW" sz="6400" b="1" dirty="0">
               <a:solidFill>
@@ -6658,7 +6221,7 @@
     </p:spTree>
     <p:extLst>
       <p:ext uri="{BB962C8B-B14F-4D97-AF65-F5344CB8AC3E}">
-        <p14:creationId xmlns:p14="http://schemas.microsoft.com/office/powerpoint/2010/main" val="346521201"/>
+        <p14:creationId xmlns:p14="http://schemas.microsoft.com/office/powerpoint/2010/main" xmlns="" val="346521201"/>
       </p:ext>
     </p:extLst>
   </p:cSld>
@@ -6719,18 +6282,7 @@
                 <a:latin typeface="微軟正黑體" pitchFamily="34" charset="-120"/>
                 <a:ea typeface="微軟正黑體" pitchFamily="34" charset="-120"/>
               </a:rPr>
-              <a:t>讓祢的手替我爭</a:t>
-            </a:r>
-            <a:r>
-              <a:rPr lang="zh-TW" altLang="en-US" sz="6400" b="1" dirty="0">
-                <a:solidFill>
-                  <a:srgbClr val="000066"/>
-                </a:solidFill>
-                <a:effectLst/>
-                <a:latin typeface="微軟正黑體" pitchFamily="34" charset="-120"/>
-                <a:ea typeface="微軟正黑體" pitchFamily="34" charset="-120"/>
-              </a:rPr>
-              <a:t>戰</a:t>
+              <a:t>讓祢的手替我爭戰</a:t>
             </a:r>
             <a:endParaRPr lang="en-US" altLang="zh-TW" sz="6400" b="1" dirty="0">
               <a:solidFill>
@@ -6754,18 +6306,7 @@
                 <a:latin typeface="微軟正黑體" pitchFamily="34" charset="-120"/>
                 <a:ea typeface="微軟正黑體" pitchFamily="34" charset="-120"/>
               </a:rPr>
-              <a:t>奉</a:t>
-            </a:r>
-            <a:r>
-              <a:rPr lang="zh-TW" altLang="en-US" sz="6400" b="1" dirty="0">
-                <a:solidFill>
-                  <a:srgbClr val="000066"/>
-                </a:solidFill>
-                <a:effectLst/>
-                <a:latin typeface="微軟正黑體" pitchFamily="34" charset="-120"/>
-                <a:ea typeface="微軟正黑體" pitchFamily="34" charset="-120"/>
-              </a:rPr>
-              <a:t>祢的名成就美事</a:t>
+              <a:t>奉祢的名成就美事</a:t>
             </a:r>
             <a:endParaRPr lang="en-US" altLang="zh-TW" sz="6400" b="1" dirty="0">
               <a:solidFill>
@@ -6847,7 +6388,7 @@
     </p:spTree>
     <p:extLst>
       <p:ext uri="{BB962C8B-B14F-4D97-AF65-F5344CB8AC3E}">
-        <p14:creationId xmlns:p14="http://schemas.microsoft.com/office/powerpoint/2010/main" val="2156328843"/>
+        <p14:creationId xmlns:p14="http://schemas.microsoft.com/office/powerpoint/2010/main" xmlns="" val="2156328843"/>
       </p:ext>
     </p:extLst>
   </p:cSld>
@@ -6919,18 +6460,18 @@
                 <a:latin typeface="微軟正黑體" pitchFamily="34" charset="-120"/>
                 <a:ea typeface="微軟正黑體" pitchFamily="34" charset="-120"/>
               </a:rPr>
-              <a:t> </a:t>
-            </a:r>
-            <a:r>
-              <a:rPr lang="zh-TW" altLang="en-US" sz="6400" b="1" dirty="0">
-                <a:solidFill>
-                  <a:srgbClr val="000066"/>
-                </a:solidFill>
-                <a:effectLst/>
-                <a:latin typeface="微軟正黑體" pitchFamily="34" charset="-120"/>
-                <a:ea typeface="微軟正黑體" pitchFamily="34" charset="-120"/>
-              </a:rPr>
-              <a:t>神蹟必可看見</a:t>
+              <a:t> 遵</a:t>
+            </a:r>
+            <a:r>
+              <a:rPr lang="zh-CN" altLang="en-US" sz="6400" b="1" dirty="0">
+                <a:solidFill>
+                  <a:srgbClr val="000066"/>
+                </a:solidFill>
+                <a:effectLst/>
+                <a:latin typeface="微軟正黑體" pitchFamily="34" charset="-120"/>
+                <a:ea typeface="微軟正黑體" pitchFamily="34" charset="-120"/>
+              </a:rPr>
+              <a:t>行祢旨意</a:t>
             </a:r>
             <a:endParaRPr lang="en-US" altLang="zh-TW" sz="6400" b="1" dirty="0">
               <a:solidFill>
@@ -6967,7 +6508,7 @@
           <a:p>
             <a:pPr algn="ctr"/>
             <a:r>
-              <a:rPr lang="en-US" sz="4400" b="1" dirty="0" smtClean="0">
+              <a:rPr lang="en-US" sz="4400" b="1" smtClean="0">
                 <a:solidFill>
                   <a:srgbClr val="000066"/>
                 </a:solidFill>
@@ -6978,7 +6519,7 @@
               <a:t>( </a:t>
             </a:r>
             <a:r>
-              <a:rPr lang="en-US" altLang="zh-CN" sz="4400" b="1" dirty="0" smtClean="0">
+              <a:rPr lang="en-US" altLang="zh-CN" sz="4400" b="1" smtClean="0">
                 <a:solidFill>
                   <a:srgbClr val="000066"/>
                 </a:solidFill>
@@ -6989,7 +6530,7 @@
               <a:t>Chorus 2</a:t>
             </a:r>
             <a:r>
-              <a:rPr lang="en-US" sz="4400" b="1" dirty="0" smtClean="0">
+              <a:rPr lang="en-US" sz="4400" b="1" smtClean="0">
                 <a:solidFill>
                   <a:srgbClr val="000066"/>
                 </a:solidFill>
@@ -6997,7 +6538,18 @@
                 <a:latin typeface="Microsoft JhengHei" panose="020B0604030504040204" pitchFamily="34" charset="-120"/>
                 <a:ea typeface="Microsoft JhengHei" panose="020B0604030504040204" pitchFamily="34" charset="-120"/>
               </a:rPr>
-              <a:t> )</a:t>
+              <a:t> </a:t>
+            </a:r>
+            <a:r>
+              <a:rPr lang="en-US" sz="4400" b="1" dirty="0" smtClean="0">
+                <a:solidFill>
+                  <a:srgbClr val="000066"/>
+                </a:solidFill>
+                <a:effectLst/>
+                <a:latin typeface="Microsoft JhengHei" panose="020B0604030504040204" pitchFamily="34" charset="-120"/>
+                <a:ea typeface="Microsoft JhengHei" panose="020B0604030504040204" pitchFamily="34" charset="-120"/>
+              </a:rPr>
+              <a:t>)</a:t>
             </a:r>
             <a:endParaRPr lang="vi-VN" sz="4400" b="1" dirty="0">
               <a:solidFill>
@@ -7012,7 +6564,7 @@
     </p:spTree>
     <p:extLst>
       <p:ext uri="{BB962C8B-B14F-4D97-AF65-F5344CB8AC3E}">
-        <p14:creationId xmlns:p14="http://schemas.microsoft.com/office/powerpoint/2010/main" val="301473488"/>
+        <p14:creationId xmlns:p14="http://schemas.microsoft.com/office/powerpoint/2010/main" xmlns="" val="3971875912"/>
       </p:ext>
     </p:extLst>
   </p:cSld>
@@ -7065,6 +6617,28 @@
               <a:buNone/>
             </a:pPr>
             <a:r>
+              <a:rPr lang="zh-CN" altLang="en-US" sz="6400" b="1" dirty="0">
+                <a:solidFill>
+                  <a:srgbClr val="000066"/>
+                </a:solidFill>
+                <a:effectLst/>
+                <a:latin typeface="微軟正黑體" pitchFamily="34" charset="-120"/>
+                <a:ea typeface="微軟正黑體" pitchFamily="34" charset="-120"/>
+              </a:rPr>
+              <a:t>一心倚靠祢 </a:t>
+            </a:r>
+            <a:r>
+              <a:rPr lang="zh-CN" altLang="en-US" sz="6400" b="1" dirty="0" smtClean="0">
+                <a:solidFill>
+                  <a:srgbClr val="000066"/>
+                </a:solidFill>
+                <a:effectLst/>
+                <a:latin typeface="微軟正黑體" pitchFamily="34" charset="-120"/>
+                <a:ea typeface="微軟正黑體" pitchFamily="34" charset="-120"/>
+              </a:rPr>
+              <a:t> </a:t>
+            </a:r>
+            <a:r>
               <a:rPr lang="zh-TW" altLang="en-US" sz="6400" b="1" dirty="0">
                 <a:solidFill>
                   <a:srgbClr val="000066"/>
@@ -7073,53 +6647,7 @@
                 <a:latin typeface="微軟正黑體" pitchFamily="34" charset="-120"/>
                 <a:ea typeface="微軟正黑體" pitchFamily="34" charset="-120"/>
               </a:rPr>
-              <a:t>讓祢的手替我爭</a:t>
-            </a:r>
-            <a:r>
-              <a:rPr lang="zh-TW" altLang="en-US" sz="6400" b="1" dirty="0">
-                <a:solidFill>
-                  <a:srgbClr val="000066"/>
-                </a:solidFill>
-                <a:effectLst/>
-                <a:latin typeface="微軟正黑體" pitchFamily="34" charset="-120"/>
-                <a:ea typeface="微軟正黑體" pitchFamily="34" charset="-120"/>
-              </a:rPr>
-              <a:t>戰</a:t>
-            </a:r>
-            <a:endParaRPr lang="en-US" altLang="zh-TW" sz="6400" b="1" dirty="0">
-              <a:solidFill>
-                <a:srgbClr val="000066"/>
-              </a:solidFill>
-              <a:effectLst/>
-              <a:latin typeface="微軟正黑體" pitchFamily="34" charset="-120"/>
-              <a:ea typeface="微軟正黑體" pitchFamily="34" charset="-120"/>
-            </a:endParaRPr>
-          </a:p>
-          <a:p>
-            <a:pPr algn="ctr">
-              <a:buNone/>
-            </a:pPr>
-            <a:r>
-              <a:rPr lang="zh-TW" altLang="en-US" sz="6400" b="1" dirty="0">
-                <a:solidFill>
-                  <a:srgbClr val="000066"/>
-                </a:solidFill>
-                <a:effectLst/>
-                <a:latin typeface="微軟正黑體" pitchFamily="34" charset="-120"/>
-                <a:ea typeface="微軟正黑體" pitchFamily="34" charset="-120"/>
-              </a:rPr>
-              <a:t>奉</a:t>
-            </a:r>
-            <a:r>
-              <a:rPr lang="zh-TW" altLang="en-US" sz="6400" b="1" dirty="0">
-                <a:solidFill>
-                  <a:srgbClr val="000066"/>
-                </a:solidFill>
-                <a:effectLst/>
-                <a:latin typeface="微軟正黑體" pitchFamily="34" charset="-120"/>
-                <a:ea typeface="微軟正黑體" pitchFamily="34" charset="-120"/>
-              </a:rPr>
-              <a:t>祢的名成就美事</a:t>
+              <a:t>神蹟必可看見</a:t>
             </a:r>
             <a:endParaRPr lang="en-US" altLang="zh-TW" sz="6400" b="1" dirty="0">
               <a:solidFill>
@@ -7175,7 +6703,7 @@
                 <a:latin typeface="Microsoft JhengHei" panose="020B0604030504040204" pitchFamily="34" charset="-120"/>
                 <a:ea typeface="Microsoft JhengHei" panose="020B0604030504040204" pitchFamily="34" charset="-120"/>
               </a:rPr>
-              <a:t>Coda</a:t>
+              <a:t>Chorus 2</a:t>
             </a:r>
             <a:r>
               <a:rPr lang="en-US" sz="4400" b="1" dirty="0" smtClean="0">
@@ -7201,7 +6729,7 @@
     </p:spTree>
     <p:extLst>
       <p:ext uri="{BB962C8B-B14F-4D97-AF65-F5344CB8AC3E}">
-        <p14:creationId xmlns:p14="http://schemas.microsoft.com/office/powerpoint/2010/main" val="41332864"/>
+        <p14:creationId xmlns:p14="http://schemas.microsoft.com/office/powerpoint/2010/main" xmlns="" val="301473488"/>
       </p:ext>
     </p:extLst>
   </p:cSld>
@@ -7262,40 +6790,7 @@
                 <a:latin typeface="微軟正黑體" pitchFamily="34" charset="-120"/>
                 <a:ea typeface="微軟正黑體" pitchFamily="34" charset="-120"/>
               </a:rPr>
-              <a:t>只想看見 </a:t>
-            </a:r>
-            <a:r>
-              <a:rPr lang="zh-TW" altLang="en-US" sz="6400" b="1" dirty="0">
-                <a:solidFill>
-                  <a:srgbClr val="000066"/>
-                </a:solidFill>
-                <a:effectLst/>
-                <a:latin typeface="微軟正黑體" pitchFamily="34" charset="-120"/>
-                <a:ea typeface="微軟正黑體" pitchFamily="34" charset="-120"/>
-              </a:rPr>
-              <a:t>  我</a:t>
-            </a:r>
-            <a:r>
-              <a:rPr lang="zh-TW" altLang="en-US" sz="6400" b="1" dirty="0">
-                <a:solidFill>
-                  <a:srgbClr val="000066"/>
-                </a:solidFill>
-                <a:effectLst/>
-                <a:latin typeface="微軟正黑體" pitchFamily="34" charset="-120"/>
-                <a:ea typeface="微軟正黑體" pitchFamily="34" charset="-120"/>
-              </a:rPr>
-              <a:t>只想看</a:t>
-            </a:r>
-            <a:r>
-              <a:rPr lang="zh-TW" altLang="en-US" sz="6400" b="1" dirty="0">
-                <a:solidFill>
-                  <a:srgbClr val="000066"/>
-                </a:solidFill>
-                <a:effectLst/>
-                <a:latin typeface="微軟正黑體" pitchFamily="34" charset="-120"/>
-                <a:ea typeface="微軟正黑體" pitchFamily="34" charset="-120"/>
-              </a:rPr>
-              <a:t>見</a:t>
+              <a:t>讓祢的手替我爭戰</a:t>
             </a:r>
             <a:endParaRPr lang="en-US" altLang="zh-TW" sz="6400" b="1" dirty="0">
               <a:solidFill>
@@ -7319,18 +6814,7 @@
                 <a:latin typeface="微軟正黑體" pitchFamily="34" charset="-120"/>
                 <a:ea typeface="微軟正黑體" pitchFamily="34" charset="-120"/>
               </a:rPr>
-              <a:t>祢</a:t>
-            </a:r>
-            <a:r>
-              <a:rPr lang="zh-TW" altLang="en-US" sz="6400" b="1" dirty="0">
-                <a:solidFill>
-                  <a:srgbClr val="000066"/>
-                </a:solidFill>
-                <a:effectLst/>
-                <a:latin typeface="微軟正黑體" pitchFamily="34" charset="-120"/>
-                <a:ea typeface="微軟正黑體" pitchFamily="34" charset="-120"/>
-              </a:rPr>
-              <a:t>旨意彰顯</a:t>
+              <a:t>奉祢的名成就美事</a:t>
             </a:r>
             <a:endParaRPr lang="en-US" altLang="zh-TW" sz="6400" b="1" dirty="0">
               <a:solidFill>
@@ -7412,7 +6896,7 @@
     </p:spTree>
     <p:extLst>
       <p:ext uri="{BB962C8B-B14F-4D97-AF65-F5344CB8AC3E}">
-        <p14:creationId xmlns:p14="http://schemas.microsoft.com/office/powerpoint/2010/main" val="2557470063"/>
+        <p14:creationId xmlns:p14="http://schemas.microsoft.com/office/powerpoint/2010/main" xmlns="" val="41332864"/>
       </p:ext>
     </p:extLst>
   </p:cSld>
@@ -7441,68 +6925,45 @@
       </p:grpSpPr>
       <p:sp>
         <p:nvSpPr>
-          <p:cNvPr id="4" name="標題 3"/>
-          <p:cNvSpPr>
-            <a:spLocks noGrp="1"/>
-          </p:cNvSpPr>
-          <p:nvPr>
-            <p:ph type="title"/>
-          </p:nvPr>
-        </p:nvSpPr>
-        <p:spPr/>
-        <p:txBody>
-          <a:bodyPr>
+          <p:cNvPr id="5" name="內容版面配置區 4"/>
+          <p:cNvSpPr>
+            <a:spLocks noGrp="1"/>
+          </p:cNvSpPr>
+          <p:nvPr>
+            <p:ph idx="1"/>
+          </p:nvPr>
+        </p:nvSpPr>
+        <p:spPr>
+          <a:xfrm>
+            <a:off x="0" y="2084851"/>
+            <a:ext cx="12192000" cy="2404863"/>
+          </a:xfrm>
+        </p:spPr>
+        <p:txBody>
+          <a:bodyPr anchor="ctr">
             <a:normAutofit/>
           </a:bodyPr>
           <a:lstStyle/>
           <a:p>
-            <a:r>
-              <a:rPr lang="zh-TW" altLang="en-US" sz="4800" b="1" dirty="0">
-                <a:solidFill>
-                  <a:srgbClr val="660033"/>
-                </a:solidFill>
-                <a:latin typeface="微軟正黑體" pitchFamily="34" charset="-120"/>
-                <a:ea typeface="微軟正黑體" pitchFamily="34" charset="-120"/>
-              </a:rPr>
-              <a:t>恩典太美麗</a:t>
-            </a:r>
-          </a:p>
-        </p:txBody>
-      </p:sp>
-      <p:sp>
-        <p:nvSpPr>
-          <p:cNvPr id="5" name="內容版面配置區 4"/>
-          <p:cNvSpPr>
-            <a:spLocks noGrp="1"/>
-          </p:cNvSpPr>
-          <p:nvPr>
-            <p:ph idx="1"/>
-          </p:nvPr>
-        </p:nvSpPr>
-        <p:spPr/>
-        <p:txBody>
-          <a:bodyPr>
-            <a:normAutofit/>
-          </a:bodyPr>
-          <a:lstStyle/>
-          <a:p>
             <a:pPr algn="ctr">
               <a:buNone/>
             </a:pPr>
             <a:r>
-              <a:rPr lang="zh-TW" altLang="en-US" sz="5400" b="1" dirty="0">
-                <a:solidFill>
-                  <a:srgbClr val="660033"/>
-                </a:solidFill>
-                <a:latin typeface="微軟正黑體" pitchFamily="34" charset="-120"/>
-                <a:ea typeface="微軟正黑體" pitchFamily="34" charset="-120"/>
-              </a:rPr>
-              <a:t>這天同聚於主聖殿</a:t>
-            </a:r>
-            <a:endParaRPr lang="en-US" altLang="zh-TW" sz="5400" b="1" dirty="0">
-              <a:solidFill>
-                <a:srgbClr val="660033"/>
-              </a:solidFill>
+              <a:rPr lang="zh-TW" altLang="en-US" sz="6400" b="1" dirty="0">
+                <a:solidFill>
+                  <a:srgbClr val="000066"/>
+                </a:solidFill>
+                <a:effectLst/>
+                <a:latin typeface="微軟正黑體" pitchFamily="34" charset="-120"/>
+                <a:ea typeface="微軟正黑體" pitchFamily="34" charset="-120"/>
+              </a:rPr>
+              <a:t>只想看見   我只想看見</a:t>
+            </a:r>
+            <a:endParaRPr lang="en-US" altLang="zh-TW" sz="6400" b="1" dirty="0">
+              <a:solidFill>
+                <a:srgbClr val="000066"/>
+              </a:solidFill>
+              <a:effectLst/>
               <a:latin typeface="微軟正黑體" pitchFamily="34" charset="-120"/>
               <a:ea typeface="微軟正黑體" pitchFamily="34" charset="-120"/>
             </a:endParaRPr>
@@ -7512,66 +6973,97 @@
               <a:buNone/>
             </a:pPr>
             <a:r>
-              <a:rPr lang="zh-TW" altLang="en-US" sz="5400" b="1" dirty="0">
-                <a:solidFill>
-                  <a:srgbClr val="660033"/>
-                </a:solidFill>
-                <a:latin typeface="微軟正黑體" pitchFamily="34" charset="-120"/>
-                <a:ea typeface="微軟正黑體" pitchFamily="34" charset="-120"/>
-              </a:rPr>
-              <a:t>來數算我主恩典</a:t>
-            </a:r>
-            <a:endParaRPr lang="en-US" altLang="zh-TW" sz="5400" b="1" dirty="0">
-              <a:solidFill>
-                <a:srgbClr val="660033"/>
-              </a:solidFill>
+              <a:rPr lang="zh-TW" altLang="en-US" sz="6400" b="1" dirty="0">
+                <a:solidFill>
+                  <a:srgbClr val="000066"/>
+                </a:solidFill>
+                <a:effectLst/>
+                <a:latin typeface="微軟正黑體" pitchFamily="34" charset="-120"/>
+                <a:ea typeface="微軟正黑體" pitchFamily="34" charset="-120"/>
+              </a:rPr>
+              <a:t>祢旨意彰顯</a:t>
+            </a:r>
+            <a:endParaRPr lang="en-US" altLang="zh-TW" sz="6400" b="1" dirty="0">
+              <a:solidFill>
+                <a:srgbClr val="000066"/>
+              </a:solidFill>
+              <a:effectLst/>
               <a:latin typeface="微軟正黑體" pitchFamily="34" charset="-120"/>
               <a:ea typeface="微軟正黑體" pitchFamily="34" charset="-120"/>
             </a:endParaRPr>
           </a:p>
-          <a:p>
-            <a:pPr algn="ctr">
-              <a:buNone/>
-            </a:pPr>
-            <a:r>
-              <a:rPr lang="zh-TW" altLang="en-US" sz="5400" b="1" dirty="0">
-                <a:solidFill>
-                  <a:srgbClr val="660033"/>
-                </a:solidFill>
-                <a:latin typeface="微軟正黑體" pitchFamily="34" charset="-120"/>
-                <a:ea typeface="微軟正黑體" pitchFamily="34" charset="-120"/>
-              </a:rPr>
-              <a:t>祂以性命來使我完全</a:t>
-            </a:r>
-            <a:endParaRPr lang="en-US" altLang="zh-TW" sz="5400" b="1" dirty="0">
-              <a:solidFill>
-                <a:srgbClr val="660033"/>
-              </a:solidFill>
-              <a:latin typeface="微軟正黑體" pitchFamily="34" charset="-120"/>
-              <a:ea typeface="微軟正黑體" pitchFamily="34" charset="-120"/>
-            </a:endParaRPr>
-          </a:p>
-          <a:p>
-            <a:pPr algn="ctr">
-              <a:buNone/>
-            </a:pPr>
-            <a:r>
-              <a:rPr lang="zh-TW" altLang="en-US" sz="5400" b="1" dirty="0">
-                <a:solidFill>
-                  <a:srgbClr val="660033"/>
-                </a:solidFill>
-                <a:latin typeface="微軟正黑體" pitchFamily="34" charset="-120"/>
-                <a:ea typeface="微軟正黑體" pitchFamily="34" charset="-120"/>
-              </a:rPr>
-              <a:t>來使我兩眼重見光線</a:t>
-            </a:r>
+        </p:txBody>
+      </p:sp>
+      <p:sp>
+        <p:nvSpPr>
+          <p:cNvPr id="3" name="TextBox 2"/>
+          <p:cNvSpPr txBox="1"/>
+          <p:nvPr/>
+        </p:nvSpPr>
+        <p:spPr>
+          <a:xfrm>
+            <a:off x="178" y="5373218"/>
+            <a:ext cx="12191823" cy="769441"/>
+          </a:xfrm>
+          <a:prstGeom prst="rect">
+            <a:avLst/>
+          </a:prstGeom>
+          <a:noFill/>
+        </p:spPr>
+        <p:txBody>
+          <a:bodyPr wrap="square" rtlCol="0" anchor="ctr">
+            <a:spAutoFit/>
+          </a:bodyPr>
+          <a:lstStyle/>
+          <a:p>
+            <a:pPr algn="ctr"/>
+            <a:r>
+              <a:rPr lang="en-US" sz="4400" b="1" dirty="0" smtClean="0">
+                <a:solidFill>
+                  <a:srgbClr val="000066"/>
+                </a:solidFill>
+                <a:effectLst/>
+                <a:latin typeface="Microsoft JhengHei" panose="020B0604030504040204" pitchFamily="34" charset="-120"/>
+                <a:ea typeface="Microsoft JhengHei" panose="020B0604030504040204" pitchFamily="34" charset="-120"/>
+              </a:rPr>
+              <a:t>( </a:t>
+            </a:r>
+            <a:r>
+              <a:rPr lang="en-US" altLang="zh-CN" sz="4400" b="1" dirty="0" smtClean="0">
+                <a:solidFill>
+                  <a:srgbClr val="000066"/>
+                </a:solidFill>
+                <a:effectLst/>
+                <a:latin typeface="Microsoft JhengHei" panose="020B0604030504040204" pitchFamily="34" charset="-120"/>
+                <a:ea typeface="Microsoft JhengHei" panose="020B0604030504040204" pitchFamily="34" charset="-120"/>
+              </a:rPr>
+              <a:t>Coda</a:t>
+            </a:r>
+            <a:r>
+              <a:rPr lang="en-US" sz="4400" b="1" dirty="0" smtClean="0">
+                <a:solidFill>
+                  <a:srgbClr val="000066"/>
+                </a:solidFill>
+                <a:effectLst/>
+                <a:latin typeface="Microsoft JhengHei" panose="020B0604030504040204" pitchFamily="34" charset="-120"/>
+                <a:ea typeface="Microsoft JhengHei" panose="020B0604030504040204" pitchFamily="34" charset="-120"/>
+              </a:rPr>
+              <a:t> )</a:t>
+            </a:r>
+            <a:endParaRPr lang="vi-VN" sz="4400" b="1" dirty="0">
+              <a:solidFill>
+                <a:srgbClr val="000066"/>
+              </a:solidFill>
+              <a:effectLst/>
+              <a:ea typeface="Microsoft JhengHei" panose="020B0604030504040204" pitchFamily="34" charset="-120"/>
+            </a:endParaRPr>
           </a:p>
         </p:txBody>
       </p:sp>
     </p:spTree>
     <p:extLst>
       <p:ext uri="{BB962C8B-B14F-4D97-AF65-F5344CB8AC3E}">
-        <p14:creationId xmlns:p14="http://schemas.microsoft.com/office/powerpoint/2010/main" val="2819126608"/>
+        <p14:creationId xmlns:p14="http://schemas.microsoft.com/office/powerpoint/2010/main" xmlns="" val="2557470063"/>
       </p:ext>
     </p:extLst>
   </p:cSld>
@@ -7632,40 +7124,7 @@
                 <a:latin typeface="微軟正黑體" pitchFamily="34" charset="-120"/>
                 <a:ea typeface="微軟正黑體" pitchFamily="34" charset="-120"/>
               </a:rPr>
-              <a:t>是我磐石與拯救 </a:t>
-            </a:r>
-            <a:r>
-              <a:rPr lang="zh-TW" altLang="en-US" sz="6400" b="1" dirty="0">
-                <a:solidFill>
-                  <a:srgbClr val="000066"/>
-                </a:solidFill>
-                <a:effectLst/>
-                <a:latin typeface="微軟正黑體" pitchFamily="34" charset="-120"/>
-                <a:ea typeface="微軟正黑體" pitchFamily="34" charset="-120"/>
-              </a:rPr>
-              <a:t> 是</a:t>
-            </a:r>
-            <a:r>
-              <a:rPr lang="zh-TW" altLang="en-US" sz="6400" b="1" dirty="0">
-                <a:solidFill>
-                  <a:srgbClr val="000066"/>
-                </a:solidFill>
-                <a:effectLst/>
-                <a:latin typeface="微軟正黑體" pitchFamily="34" charset="-120"/>
-                <a:ea typeface="微軟正黑體" pitchFamily="34" charset="-120"/>
-              </a:rPr>
-              <a:t>我高臺與詩</a:t>
-            </a:r>
-            <a:r>
-              <a:rPr lang="zh-TW" altLang="en-US" sz="6400" b="1" dirty="0">
-                <a:solidFill>
-                  <a:srgbClr val="000066"/>
-                </a:solidFill>
-                <a:effectLst/>
-                <a:latin typeface="微軟正黑體" pitchFamily="34" charset="-120"/>
-                <a:ea typeface="微軟正黑體" pitchFamily="34" charset="-120"/>
-              </a:rPr>
-              <a:t>歌</a:t>
+              <a:t>是我磐石與拯救  是我高臺與詩歌</a:t>
             </a:r>
             <a:endParaRPr lang="en-US" altLang="zh-TW" sz="6400" b="1" dirty="0">
               <a:solidFill>
@@ -7689,40 +7148,7 @@
                 <a:latin typeface="微軟正黑體" pitchFamily="34" charset="-120"/>
                 <a:ea typeface="微軟正黑體" pitchFamily="34" charset="-120"/>
               </a:rPr>
-              <a:t>祢</a:t>
-            </a:r>
-            <a:r>
-              <a:rPr lang="zh-TW" altLang="en-US" sz="6400" b="1" dirty="0">
-                <a:solidFill>
-                  <a:srgbClr val="000066"/>
-                </a:solidFill>
-                <a:effectLst/>
-                <a:latin typeface="微軟正黑體" pitchFamily="34" charset="-120"/>
-                <a:ea typeface="微軟正黑體" pitchFamily="34" charset="-120"/>
-              </a:rPr>
-              <a:t>體恤我 </a:t>
-            </a:r>
-            <a:r>
-              <a:rPr lang="zh-TW" altLang="en-US" sz="6400" b="1" dirty="0">
-                <a:solidFill>
-                  <a:srgbClr val="000066"/>
-                </a:solidFill>
-                <a:effectLst/>
-                <a:latin typeface="微軟正黑體" pitchFamily="34" charset="-120"/>
-                <a:ea typeface="微軟正黑體" pitchFamily="34" charset="-120"/>
-              </a:rPr>
-              <a:t> 祢</a:t>
-            </a:r>
-            <a:r>
-              <a:rPr lang="zh-TW" altLang="en-US" sz="6400" b="1" dirty="0">
-                <a:solidFill>
-                  <a:srgbClr val="000066"/>
-                </a:solidFill>
-                <a:effectLst/>
-                <a:latin typeface="微軟正黑體" pitchFamily="34" charset="-120"/>
-                <a:ea typeface="微軟正黑體" pitchFamily="34" charset="-120"/>
-              </a:rPr>
-              <a:t>保守我 </a:t>
+              <a:t>祢體恤我  祢保守我 </a:t>
             </a:r>
             <a:endParaRPr lang="en-US" altLang="zh-TW" sz="6400" b="1" dirty="0">
               <a:solidFill>
@@ -7804,7 +7230,7 @@
     </p:spTree>
     <p:extLst>
       <p:ext uri="{BB962C8B-B14F-4D97-AF65-F5344CB8AC3E}">
-        <p14:creationId xmlns:p14="http://schemas.microsoft.com/office/powerpoint/2010/main" val="3500296439"/>
+        <p14:creationId xmlns:p14="http://schemas.microsoft.com/office/powerpoint/2010/main" xmlns="" val="3500296439"/>
       </p:ext>
     </p:extLst>
   </p:cSld>
@@ -7933,7 +7359,7 @@
                 <a:latin typeface="微軟正黑體" pitchFamily="34" charset="-120"/>
                 <a:ea typeface="微軟正黑體" pitchFamily="34" charset="-120"/>
               </a:rPr>
-              <a:t>祂賜盼望重生的泉源</a:t>
+              <a:t>祂以性命來使我完全</a:t>
             </a:r>
             <a:endParaRPr lang="en-US" altLang="zh-TW" sz="5400" b="1" dirty="0">
               <a:solidFill>
@@ -7955,7 +7381,7 @@
                 <a:latin typeface="微軟正黑體" pitchFamily="34" charset="-120"/>
                 <a:ea typeface="微軟正黑體" pitchFamily="34" charset="-120"/>
               </a:rPr>
-              <a:t>還給我勇氣面對挑戰</a:t>
+              <a:t>來使我兩眼重見光線</a:t>
             </a:r>
           </a:p>
         </p:txBody>
@@ -7963,7 +7389,7 @@
     </p:spTree>
     <p:extLst>
       <p:ext uri="{BB962C8B-B14F-4D97-AF65-F5344CB8AC3E}">
-        <p14:creationId xmlns:p14="http://schemas.microsoft.com/office/powerpoint/2010/main" val="1157551129"/>
+        <p14:creationId xmlns:p14="http://schemas.microsoft.com/office/powerpoint/2010/main" xmlns="" val="2819126608"/>
       </p:ext>
     </p:extLst>
   </p:cSld>
@@ -8030,12 +7456,7 @@
             <p:ph idx="1"/>
           </p:nvPr>
         </p:nvSpPr>
-        <p:spPr>
-          <a:xfrm>
-            <a:off x="1524000" y="1600200"/>
-            <a:ext cx="9144000" cy="5257800"/>
-          </a:xfrm>
-        </p:spPr>
+        <p:spPr/>
         <p:txBody>
           <a:bodyPr>
             <a:normAutofit/>
@@ -8053,7 +7474,7 @@
                 <a:latin typeface="微軟正黑體" pitchFamily="34" charset="-120"/>
                 <a:ea typeface="微軟正黑體" pitchFamily="34" charset="-120"/>
               </a:rPr>
-              <a:t>恩典太美麗  無甚麼可取替</a:t>
+              <a:t>這天同聚於主聖殿</a:t>
             </a:r>
             <a:endParaRPr lang="en-US" altLang="zh-TW" sz="5400" b="1" dirty="0">
               <a:solidFill>
@@ -8075,7 +7496,7 @@
                 <a:latin typeface="微軟正黑體" pitchFamily="34" charset="-120"/>
                 <a:ea typeface="微軟正黑體" pitchFamily="34" charset="-120"/>
               </a:rPr>
-              <a:t>唯求將心全然給主</a:t>
+              <a:t>來數算我主恩典</a:t>
             </a:r>
             <a:endParaRPr lang="en-US" altLang="zh-TW" sz="5400" b="1" dirty="0">
               <a:solidFill>
@@ -8097,27 +7518,7 @@
                 <a:latin typeface="微軟正黑體" pitchFamily="34" charset="-120"/>
                 <a:ea typeface="微軟正黑體" pitchFamily="34" charset="-120"/>
               </a:rPr>
-              <a:t>來彰顯主</a:t>
-            </a:r>
-            <a:r>
-              <a:rPr lang="zh-TW" altLang="en-US" sz="5400" b="1" dirty="0" smtClean="0">
-                <a:solidFill>
-                  <a:srgbClr val="660033"/>
-                </a:solidFill>
-                <a:latin typeface="微軟正黑體" pitchFamily="34" charset="-120"/>
-                <a:ea typeface="微軟正黑體" pitchFamily="34" charset="-120"/>
-              </a:rPr>
-              <a:t>愛多珍</a:t>
-            </a:r>
-            <a:r>
-              <a:rPr lang="zh-TW" altLang="en-US" sz="5400" b="1" dirty="0">
-                <a:solidFill>
-                  <a:srgbClr val="660033"/>
-                </a:solidFill>
-                <a:latin typeface="微軟正黑體" pitchFamily="34" charset="-120"/>
-                <a:ea typeface="微軟正黑體" pitchFamily="34" charset="-120"/>
-              </a:rPr>
-              <a:t>貴</a:t>
+              <a:t>祂賜盼望重生的泉源</a:t>
             </a:r>
             <a:endParaRPr lang="en-US" altLang="zh-TW" sz="5400" b="1" dirty="0">
               <a:solidFill>
@@ -8139,49 +7540,7 @@
                 <a:latin typeface="微軟正黑體" pitchFamily="34" charset="-120"/>
                 <a:ea typeface="微軟正黑體" pitchFamily="34" charset="-120"/>
               </a:rPr>
-              <a:t>終生愛神</a:t>
-            </a:r>
-            <a:r>
-              <a:rPr lang="en-US" altLang="zh-TW" sz="5400" b="1" dirty="0">
-                <a:solidFill>
-                  <a:srgbClr val="660033"/>
-                </a:solidFill>
-                <a:latin typeface="微軟正黑體" pitchFamily="34" charset="-120"/>
-                <a:ea typeface="微軟正黑體" pitchFamily="34" charset="-120"/>
-              </a:rPr>
-              <a:t>  </a:t>
-            </a:r>
-            <a:r>
-              <a:rPr lang="zh-TW" altLang="en-US" sz="5400" b="1" dirty="0">
-                <a:solidFill>
-                  <a:srgbClr val="660033"/>
-                </a:solidFill>
-                <a:latin typeface="微軟正黑體" pitchFamily="34" charset="-120"/>
-                <a:ea typeface="微軟正黑體" pitchFamily="34" charset="-120"/>
-              </a:rPr>
-              <a:t>傾心傾意愛別人</a:t>
-            </a:r>
-            <a:endParaRPr lang="en-US" altLang="zh-TW" sz="5400" b="1" dirty="0">
-              <a:solidFill>
-                <a:srgbClr val="660033"/>
-              </a:solidFill>
-              <a:latin typeface="微軟正黑體" pitchFamily="34" charset="-120"/>
-              <a:ea typeface="微軟正黑體" pitchFamily="34" charset="-120"/>
-            </a:endParaRPr>
-          </a:p>
-          <a:p>
-            <a:pPr algn="ctr">
-              <a:buNone/>
-            </a:pPr>
-            <a:r>
-              <a:rPr lang="zh-TW" altLang="en-US" sz="5400" b="1" dirty="0">
-                <a:solidFill>
-                  <a:srgbClr val="660033"/>
-                </a:solidFill>
-                <a:latin typeface="微軟正黑體" pitchFamily="34" charset="-120"/>
-                <a:ea typeface="微軟正黑體" pitchFamily="34" charset="-120"/>
-              </a:rPr>
-              <a:t>才覺生命沒有枉費</a:t>
+              <a:t>還給我勇氣面對挑戰</a:t>
             </a:r>
           </a:p>
         </p:txBody>
@@ -8189,7 +7548,7 @@
     </p:spTree>
     <p:extLst>
       <p:ext uri="{BB962C8B-B14F-4D97-AF65-F5344CB8AC3E}">
-        <p14:creationId xmlns:p14="http://schemas.microsoft.com/office/powerpoint/2010/main" val="2302767227"/>
+        <p14:creationId xmlns:p14="http://schemas.microsoft.com/office/powerpoint/2010/main" xmlns="" val="1157551129"/>
       </p:ext>
     </p:extLst>
   </p:cSld>
@@ -8256,7 +7615,12 @@
             <p:ph idx="1"/>
           </p:nvPr>
         </p:nvSpPr>
-        <p:spPr/>
+        <p:spPr>
+          <a:xfrm>
+            <a:off x="1524000" y="1600200"/>
+            <a:ext cx="9144000" cy="5257800"/>
+          </a:xfrm>
+        </p:spPr>
         <p:txBody>
           <a:bodyPr>
             <a:normAutofit/>
@@ -8274,7 +7638,7 @@
                 <a:latin typeface="微軟正黑體" pitchFamily="34" charset="-120"/>
                 <a:ea typeface="微軟正黑體" pitchFamily="34" charset="-120"/>
               </a:rPr>
-              <a:t>這天降服於主腳前</a:t>
+              <a:t>恩典太美麗  無甚麼可取替</a:t>
             </a:r>
             <a:endParaRPr lang="en-US" altLang="zh-TW" sz="5400" b="1" dirty="0">
               <a:solidFill>
@@ -8296,7 +7660,7 @@
                 <a:latin typeface="微軟正黑體" pitchFamily="34" charset="-120"/>
                 <a:ea typeface="微軟正黑體" pitchFamily="34" charset="-120"/>
               </a:rPr>
-              <a:t>留心聽我主差遣</a:t>
+              <a:t>唯求將心全然給主</a:t>
             </a:r>
             <a:endParaRPr lang="en-US" altLang="zh-TW" sz="5400" b="1" dirty="0">
               <a:solidFill>
@@ -8318,7 +7682,27 @@
                 <a:latin typeface="微軟正黑體" pitchFamily="34" charset="-120"/>
                 <a:ea typeface="微軟正黑體" pitchFamily="34" charset="-120"/>
               </a:rPr>
-              <a:t>深信這日勞苦不徒然</a:t>
+              <a:t>來彰顯主</a:t>
+            </a:r>
+            <a:r>
+              <a:rPr lang="zh-TW" altLang="en-US" sz="5400" b="1" dirty="0" smtClean="0">
+                <a:solidFill>
+                  <a:srgbClr val="660033"/>
+                </a:solidFill>
+                <a:latin typeface="微軟正黑體" pitchFamily="34" charset="-120"/>
+                <a:ea typeface="微軟正黑體" pitchFamily="34" charset="-120"/>
+              </a:rPr>
+              <a:t>愛多珍</a:t>
+            </a:r>
+            <a:r>
+              <a:rPr lang="zh-TW" altLang="en-US" sz="5400" b="1" dirty="0">
+                <a:solidFill>
+                  <a:srgbClr val="660033"/>
+                </a:solidFill>
+                <a:latin typeface="微軟正黑體" pitchFamily="34" charset="-120"/>
+                <a:ea typeface="微軟正黑體" pitchFamily="34" charset="-120"/>
+              </a:rPr>
+              <a:t>貴</a:t>
             </a:r>
             <a:endParaRPr lang="en-US" altLang="zh-TW" sz="5400" b="1" dirty="0">
               <a:solidFill>
@@ -8340,7 +7724,49 @@
                 <a:latin typeface="微軟正黑體" pitchFamily="34" charset="-120"/>
                 <a:ea typeface="微軟正黑體" pitchFamily="34" charset="-120"/>
               </a:rPr>
-              <a:t>神終會賜我榮美冠冕</a:t>
+              <a:t>終生愛神</a:t>
+            </a:r>
+            <a:r>
+              <a:rPr lang="en-US" altLang="zh-TW" sz="5400" b="1" dirty="0">
+                <a:solidFill>
+                  <a:srgbClr val="660033"/>
+                </a:solidFill>
+                <a:latin typeface="微軟正黑體" pitchFamily="34" charset="-120"/>
+                <a:ea typeface="微軟正黑體" pitchFamily="34" charset="-120"/>
+              </a:rPr>
+              <a:t>  </a:t>
+            </a:r>
+            <a:r>
+              <a:rPr lang="zh-TW" altLang="en-US" sz="5400" b="1" dirty="0">
+                <a:solidFill>
+                  <a:srgbClr val="660033"/>
+                </a:solidFill>
+                <a:latin typeface="微軟正黑體" pitchFamily="34" charset="-120"/>
+                <a:ea typeface="微軟正黑體" pitchFamily="34" charset="-120"/>
+              </a:rPr>
+              <a:t>傾心傾意愛別人</a:t>
+            </a:r>
+            <a:endParaRPr lang="en-US" altLang="zh-TW" sz="5400" b="1" dirty="0">
+              <a:solidFill>
+                <a:srgbClr val="660033"/>
+              </a:solidFill>
+              <a:latin typeface="微軟正黑體" pitchFamily="34" charset="-120"/>
+              <a:ea typeface="微軟正黑體" pitchFamily="34" charset="-120"/>
+            </a:endParaRPr>
+          </a:p>
+          <a:p>
+            <a:pPr algn="ctr">
+              <a:buNone/>
+            </a:pPr>
+            <a:r>
+              <a:rPr lang="zh-TW" altLang="en-US" sz="5400" b="1" dirty="0">
+                <a:solidFill>
+                  <a:srgbClr val="660033"/>
+                </a:solidFill>
+                <a:latin typeface="微軟正黑體" pitchFamily="34" charset="-120"/>
+                <a:ea typeface="微軟正黑體" pitchFamily="34" charset="-120"/>
+              </a:rPr>
+              <a:t>才覺生命沒有枉費</a:t>
             </a:r>
           </a:p>
         </p:txBody>
@@ -8348,7 +7774,7 @@
     </p:spTree>
     <p:extLst>
       <p:ext uri="{BB962C8B-B14F-4D97-AF65-F5344CB8AC3E}">
-        <p14:creationId xmlns:p14="http://schemas.microsoft.com/office/powerpoint/2010/main" val="2723438889"/>
+        <p14:creationId xmlns:p14="http://schemas.microsoft.com/office/powerpoint/2010/main" xmlns="" val="2302767227"/>
       </p:ext>
     </p:extLst>
   </p:cSld>
@@ -8415,12 +7841,7 @@
             <p:ph idx="1"/>
           </p:nvPr>
         </p:nvSpPr>
-        <p:spPr>
-          <a:xfrm>
-            <a:off x="1524000" y="1600200"/>
-            <a:ext cx="9144000" cy="5257800"/>
-          </a:xfrm>
-        </p:spPr>
+        <p:spPr/>
         <p:txBody>
           <a:bodyPr>
             <a:normAutofit/>
@@ -8438,7 +7859,7 @@
                 <a:latin typeface="微軟正黑體" pitchFamily="34" charset="-120"/>
                 <a:ea typeface="微軟正黑體" pitchFamily="34" charset="-120"/>
               </a:rPr>
-              <a:t>衷心去讚頌  神極重的恩惠</a:t>
+              <a:t>這天降服於主腳前</a:t>
             </a:r>
             <a:endParaRPr lang="en-US" altLang="zh-TW" sz="5400" b="1" dirty="0">
               <a:solidFill>
@@ -8460,7 +7881,7 @@
                 <a:latin typeface="微軟正黑體" pitchFamily="34" charset="-120"/>
                 <a:ea typeface="微軟正黑體" pitchFamily="34" charset="-120"/>
               </a:rPr>
-              <a:t>獻我一生傳揚福音</a:t>
+              <a:t>留心聽我主差遣</a:t>
             </a:r>
             <a:endParaRPr lang="en-US" altLang="zh-TW" sz="5400" b="1" dirty="0">
               <a:solidFill>
@@ -8482,7 +7903,7 @@
                 <a:latin typeface="微軟正黑體" pitchFamily="34" charset="-120"/>
                 <a:ea typeface="微軟正黑體" pitchFamily="34" charset="-120"/>
               </a:rPr>
-              <a:t>來證實主愛何寶貴</a:t>
+              <a:t>深信這日勞苦不徒然</a:t>
             </a:r>
             <a:endParaRPr lang="en-US" altLang="zh-TW" sz="5400" b="1" dirty="0">
               <a:solidFill>
@@ -8504,29 +7925,7 @@
                 <a:latin typeface="微軟正黑體" pitchFamily="34" charset="-120"/>
                 <a:ea typeface="微軟正黑體" pitchFamily="34" charset="-120"/>
               </a:rPr>
-              <a:t>請觀看稻田  主的莊稼在面前</a:t>
-            </a:r>
-            <a:endParaRPr lang="en-US" altLang="zh-TW" sz="5400" b="1" dirty="0">
-              <a:solidFill>
-                <a:srgbClr val="660033"/>
-              </a:solidFill>
-              <a:latin typeface="微軟正黑體" pitchFamily="34" charset="-120"/>
-              <a:ea typeface="微軟正黑體" pitchFamily="34" charset="-120"/>
-            </a:endParaRPr>
-          </a:p>
-          <a:p>
-            <a:pPr algn="ctr">
-              <a:buNone/>
-            </a:pPr>
-            <a:r>
-              <a:rPr lang="zh-TW" altLang="en-US" sz="5400" b="1" dirty="0">
-                <a:solidFill>
-                  <a:srgbClr val="660033"/>
-                </a:solidFill>
-                <a:latin typeface="微軟正黑體" pitchFamily="34" charset="-120"/>
-                <a:ea typeface="微軟正黑體" pitchFamily="34" charset="-120"/>
-              </a:rPr>
-              <a:t>遼闊收成沒法估計</a:t>
+              <a:t>神終會賜我榮美冠冕</a:t>
             </a:r>
           </a:p>
         </p:txBody>
@@ -8534,7 +7933,7 @@
     </p:spTree>
     <p:extLst>
       <p:ext uri="{BB962C8B-B14F-4D97-AF65-F5344CB8AC3E}">
-        <p14:creationId xmlns:p14="http://schemas.microsoft.com/office/powerpoint/2010/main" val="3933878466"/>
+        <p14:creationId xmlns:p14="http://schemas.microsoft.com/office/powerpoint/2010/main" xmlns="" val="2723438889"/>
       </p:ext>
     </p:extLst>
   </p:cSld>
@@ -8624,7 +8023,7 @@
                 <a:latin typeface="微軟正黑體" pitchFamily="34" charset="-120"/>
                 <a:ea typeface="微軟正黑體" pitchFamily="34" charset="-120"/>
               </a:rPr>
-              <a:t>恩典太美麗  無甚麼可取替</a:t>
+              <a:t>衷心去讚頌  神極重的恩惠</a:t>
             </a:r>
             <a:endParaRPr lang="en-US" altLang="zh-TW" sz="5400" b="1" dirty="0">
               <a:solidFill>
@@ -8646,7 +8045,7 @@
                 <a:latin typeface="微軟正黑體" pitchFamily="34" charset="-120"/>
                 <a:ea typeface="微軟正黑體" pitchFamily="34" charset="-120"/>
               </a:rPr>
-              <a:t>唯求將心全然給主</a:t>
+              <a:t>獻我一生傳揚福音</a:t>
             </a:r>
             <a:endParaRPr lang="en-US" altLang="zh-TW" sz="5400" b="1" dirty="0">
               <a:solidFill>
@@ -8668,27 +8067,7 @@
                 <a:latin typeface="微軟正黑體" pitchFamily="34" charset="-120"/>
                 <a:ea typeface="微軟正黑體" pitchFamily="34" charset="-120"/>
               </a:rPr>
-              <a:t>來彰顯主</a:t>
-            </a:r>
-            <a:r>
-              <a:rPr lang="zh-TW" altLang="en-US" sz="5400" b="1" dirty="0" smtClean="0">
-                <a:solidFill>
-                  <a:srgbClr val="660033"/>
-                </a:solidFill>
-                <a:latin typeface="微軟正黑體" pitchFamily="34" charset="-120"/>
-                <a:ea typeface="微軟正黑體" pitchFamily="34" charset="-120"/>
-              </a:rPr>
-              <a:t>愛多珍</a:t>
-            </a:r>
-            <a:r>
-              <a:rPr lang="zh-TW" altLang="en-US" sz="5400" b="1" dirty="0">
-                <a:solidFill>
-                  <a:srgbClr val="660033"/>
-                </a:solidFill>
-                <a:latin typeface="微軟正黑體" pitchFamily="34" charset="-120"/>
-                <a:ea typeface="微軟正黑體" pitchFamily="34" charset="-120"/>
-              </a:rPr>
-              <a:t>貴</a:t>
+              <a:t>來證實主愛何寶貴</a:t>
             </a:r>
             <a:endParaRPr lang="en-US" altLang="zh-TW" sz="5400" b="1" dirty="0">
               <a:solidFill>
@@ -8710,27 +8089,7 @@
                 <a:latin typeface="微軟正黑體" pitchFamily="34" charset="-120"/>
                 <a:ea typeface="微軟正黑體" pitchFamily="34" charset="-120"/>
               </a:rPr>
-              <a:t>終生愛神</a:t>
-            </a:r>
-            <a:r>
-              <a:rPr lang="en-US" altLang="zh-TW" sz="5400" b="1" dirty="0">
-                <a:solidFill>
-                  <a:srgbClr val="660033"/>
-                </a:solidFill>
-                <a:latin typeface="微軟正黑體" pitchFamily="34" charset="-120"/>
-                <a:ea typeface="微軟正黑體" pitchFamily="34" charset="-120"/>
-              </a:rPr>
-              <a:t>  </a:t>
-            </a:r>
-            <a:r>
-              <a:rPr lang="zh-TW" altLang="en-US" sz="5400" b="1" dirty="0">
-                <a:solidFill>
-                  <a:srgbClr val="660033"/>
-                </a:solidFill>
-                <a:latin typeface="微軟正黑體" pitchFamily="34" charset="-120"/>
-                <a:ea typeface="微軟正黑體" pitchFamily="34" charset="-120"/>
-              </a:rPr>
-              <a:t>傾心傾意愛別人</a:t>
+              <a:t>請觀看稻田  主的莊稼在面前</a:t>
             </a:r>
             <a:endParaRPr lang="en-US" altLang="zh-TW" sz="5400" b="1" dirty="0">
               <a:solidFill>
@@ -8752,7 +8111,7 @@
                 <a:latin typeface="微軟正黑體" pitchFamily="34" charset="-120"/>
                 <a:ea typeface="微軟正黑體" pitchFamily="34" charset="-120"/>
               </a:rPr>
-              <a:t>才覺生命沒有枉費</a:t>
+              <a:t>遼闊收成沒法估計</a:t>
             </a:r>
           </a:p>
         </p:txBody>
@@ -8760,7 +8119,7 @@
     </p:spTree>
     <p:extLst>
       <p:ext uri="{BB962C8B-B14F-4D97-AF65-F5344CB8AC3E}">
-        <p14:creationId xmlns:p14="http://schemas.microsoft.com/office/powerpoint/2010/main" val="235858586"/>
+        <p14:creationId xmlns:p14="http://schemas.microsoft.com/office/powerpoint/2010/main" xmlns="" val="3933878466"/>
       </p:ext>
     </p:extLst>
   </p:cSld>
@@ -8827,7 +8186,12 @@
             <p:ph idx="1"/>
           </p:nvPr>
         </p:nvSpPr>
-        <p:spPr/>
+        <p:spPr>
+          <a:xfrm>
+            <a:off x="1524000" y="1600200"/>
+            <a:ext cx="9144000" cy="5257800"/>
+          </a:xfrm>
+        </p:spPr>
         <p:txBody>
           <a:bodyPr>
             <a:normAutofit/>
@@ -8838,16 +8202,16 @@
               <a:buNone/>
             </a:pPr>
             <a:r>
-              <a:rPr lang="zh-TW" altLang="en-US" sz="5400" b="1" dirty="0" smtClean="0">
+              <a:rPr lang="zh-TW" altLang="en-US" sz="5400" b="1" dirty="0">
                 <a:solidFill>
                   <a:srgbClr val="660033"/>
                 </a:solidFill>
                 <a:latin typeface="微軟正黑體" pitchFamily="34" charset="-120"/>
                 <a:ea typeface="微軟正黑體" pitchFamily="34" charset="-120"/>
               </a:rPr>
-              <a:t>忠於使命</a:t>
-            </a:r>
-            <a:endParaRPr lang="en-US" altLang="zh-TW" sz="5400" b="1" dirty="0" smtClean="0">
+              <a:t>恩典太美麗  無甚麼可取替</a:t>
+            </a:r>
+            <a:endParaRPr lang="en-US" altLang="zh-TW" sz="5400" b="1" dirty="0">
               <a:solidFill>
                 <a:srgbClr val="660033"/>
               </a:solidFill>
@@ -8860,16 +8224,16 @@
               <a:buNone/>
             </a:pPr>
             <a:r>
-              <a:rPr lang="zh-TW" altLang="en-US" sz="5400" b="1" dirty="0" smtClean="0">
+              <a:rPr lang="zh-TW" altLang="en-US" sz="5400" b="1" dirty="0">
                 <a:solidFill>
                   <a:srgbClr val="660033"/>
                 </a:solidFill>
                 <a:latin typeface="微軟正黑體" pitchFamily="34" charset="-120"/>
                 <a:ea typeface="微軟正黑體" pitchFamily="34" charset="-120"/>
               </a:rPr>
-              <a:t>不惜一切來回應</a:t>
-            </a:r>
-            <a:endParaRPr lang="en-US" altLang="zh-TW" sz="5400" b="1" dirty="0" smtClean="0">
+              <a:t>唯求將心全然給主</a:t>
+            </a:r>
+            <a:endParaRPr lang="en-US" altLang="zh-TW" sz="5400" b="1" dirty="0">
               <a:solidFill>
                 <a:srgbClr val="660033"/>
               </a:solidFill>
@@ -8882,6 +8246,16 @@
               <a:buNone/>
             </a:pPr>
             <a:r>
+              <a:rPr lang="zh-TW" altLang="en-US" sz="5400" b="1" dirty="0">
+                <a:solidFill>
+                  <a:srgbClr val="660033"/>
+                </a:solidFill>
+                <a:latin typeface="微軟正黑體" pitchFamily="34" charset="-120"/>
+                <a:ea typeface="微軟正黑體" pitchFamily="34" charset="-120"/>
+              </a:rPr>
+              <a:t>來彰顯主</a:t>
+            </a:r>
+            <a:r>
               <a:rPr lang="zh-TW" altLang="en-US" sz="5400" b="1" dirty="0" smtClean="0">
                 <a:solidFill>
                   <a:srgbClr val="660033"/>
@@ -8889,22 +8263,233 @@
                 <a:latin typeface="微軟正黑體" pitchFamily="34" charset="-120"/>
                 <a:ea typeface="微軟正黑體" pitchFamily="34" charset="-120"/>
               </a:rPr>
-              <a:t>能事奉你是最尊貴</a:t>
-            </a:r>
-            <a:endParaRPr lang="zh-TW" altLang="en-US" sz="5400" b="1" dirty="0">
+              <a:t>愛多珍</a:t>
+            </a:r>
+            <a:r>
+              <a:rPr lang="zh-TW" altLang="en-US" sz="5400" b="1" dirty="0">
+                <a:solidFill>
+                  <a:srgbClr val="660033"/>
+                </a:solidFill>
+                <a:latin typeface="微軟正黑體" pitchFamily="34" charset="-120"/>
+                <a:ea typeface="微軟正黑體" pitchFamily="34" charset="-120"/>
+              </a:rPr>
+              <a:t>貴</a:t>
+            </a:r>
+            <a:endParaRPr lang="en-US" altLang="zh-TW" sz="5400" b="1" dirty="0">
               <a:solidFill>
                 <a:srgbClr val="660033"/>
               </a:solidFill>
               <a:latin typeface="微軟正黑體" pitchFamily="34" charset="-120"/>
               <a:ea typeface="微軟正黑體" pitchFamily="34" charset="-120"/>
             </a:endParaRPr>
+          </a:p>
+          <a:p>
+            <a:pPr algn="ctr">
+              <a:buNone/>
+            </a:pPr>
+            <a:r>
+              <a:rPr lang="zh-TW" altLang="en-US" sz="5400" b="1" dirty="0">
+                <a:solidFill>
+                  <a:srgbClr val="660033"/>
+                </a:solidFill>
+                <a:latin typeface="微軟正黑體" pitchFamily="34" charset="-120"/>
+                <a:ea typeface="微軟正黑體" pitchFamily="34" charset="-120"/>
+              </a:rPr>
+              <a:t>終生愛神</a:t>
+            </a:r>
+            <a:r>
+              <a:rPr lang="en-US" altLang="zh-TW" sz="5400" b="1" dirty="0">
+                <a:solidFill>
+                  <a:srgbClr val="660033"/>
+                </a:solidFill>
+                <a:latin typeface="微軟正黑體" pitchFamily="34" charset="-120"/>
+                <a:ea typeface="微軟正黑體" pitchFamily="34" charset="-120"/>
+              </a:rPr>
+              <a:t>  </a:t>
+            </a:r>
+            <a:r>
+              <a:rPr lang="zh-TW" altLang="en-US" sz="5400" b="1" dirty="0">
+                <a:solidFill>
+                  <a:srgbClr val="660033"/>
+                </a:solidFill>
+                <a:latin typeface="微軟正黑體" pitchFamily="34" charset="-120"/>
+                <a:ea typeface="微軟正黑體" pitchFamily="34" charset="-120"/>
+              </a:rPr>
+              <a:t>傾心傾意愛別人</a:t>
+            </a:r>
+            <a:endParaRPr lang="en-US" altLang="zh-TW" sz="5400" b="1" dirty="0">
+              <a:solidFill>
+                <a:srgbClr val="660033"/>
+              </a:solidFill>
+              <a:latin typeface="微軟正黑體" pitchFamily="34" charset="-120"/>
+              <a:ea typeface="微軟正黑體" pitchFamily="34" charset="-120"/>
+            </a:endParaRPr>
+          </a:p>
+          <a:p>
+            <a:pPr algn="ctr">
+              <a:buNone/>
+            </a:pPr>
+            <a:r>
+              <a:rPr lang="zh-TW" altLang="en-US" sz="5400" b="1" dirty="0">
+                <a:solidFill>
+                  <a:srgbClr val="660033"/>
+                </a:solidFill>
+                <a:latin typeface="微軟正黑體" pitchFamily="34" charset="-120"/>
+                <a:ea typeface="微軟正黑體" pitchFamily="34" charset="-120"/>
+              </a:rPr>
+              <a:t>才覺生命沒有枉費</a:t>
+            </a:r>
           </a:p>
         </p:txBody>
       </p:sp>
     </p:spTree>
     <p:extLst>
       <p:ext uri="{BB962C8B-B14F-4D97-AF65-F5344CB8AC3E}">
-        <p14:creationId xmlns:p14="http://schemas.microsoft.com/office/powerpoint/2010/main" val="3065194905"/>
+        <p14:creationId xmlns:p14="http://schemas.microsoft.com/office/powerpoint/2010/main" xmlns="" val="235858586"/>
+      </p:ext>
+    </p:extLst>
+  </p:cSld>
+  <p:clrMapOvr>
+    <a:masterClrMapping/>
+  </p:clrMapOvr>
+</p:sld>
+</file>
+
+<file path=ppt/slides/slide36.xml><?xml version="1.0" encoding="utf-8"?>
+<p:sld xmlns:a="http://schemas.openxmlformats.org/drawingml/2006/main" xmlns:r="http://schemas.openxmlformats.org/officeDocument/2006/relationships" xmlns:p="http://schemas.openxmlformats.org/presentationml/2006/main">
+  <p:cSld>
+    <p:spTree>
+      <p:nvGrpSpPr>
+        <p:cNvPr id="1" name=""/>
+        <p:cNvGrpSpPr/>
+        <p:nvPr/>
+      </p:nvGrpSpPr>
+      <p:grpSpPr>
+        <a:xfrm>
+          <a:off x="0" y="0"/>
+          <a:ext cx="0" cy="0"/>
+          <a:chOff x="0" y="0"/>
+          <a:chExt cx="0" cy="0"/>
+        </a:xfrm>
+      </p:grpSpPr>
+      <p:sp>
+        <p:nvSpPr>
+          <p:cNvPr id="4" name="標題 3"/>
+          <p:cNvSpPr>
+            <a:spLocks noGrp="1"/>
+          </p:cNvSpPr>
+          <p:nvPr>
+            <p:ph type="title"/>
+          </p:nvPr>
+        </p:nvSpPr>
+        <p:spPr/>
+        <p:txBody>
+          <a:bodyPr>
+            <a:normAutofit/>
+          </a:bodyPr>
+          <a:lstStyle/>
+          <a:p>
+            <a:r>
+              <a:rPr lang="zh-TW" altLang="en-US" sz="4800" b="1" dirty="0">
+                <a:solidFill>
+                  <a:srgbClr val="660033"/>
+                </a:solidFill>
+                <a:latin typeface="微軟正黑體" pitchFamily="34" charset="-120"/>
+                <a:ea typeface="微軟正黑體" pitchFamily="34" charset="-120"/>
+              </a:rPr>
+              <a:t>恩典太美麗</a:t>
+            </a:r>
+          </a:p>
+        </p:txBody>
+      </p:sp>
+      <p:sp>
+        <p:nvSpPr>
+          <p:cNvPr id="5" name="內容版面配置區 4"/>
+          <p:cNvSpPr>
+            <a:spLocks noGrp="1"/>
+          </p:cNvSpPr>
+          <p:nvPr>
+            <p:ph idx="1"/>
+          </p:nvPr>
+        </p:nvSpPr>
+        <p:spPr/>
+        <p:txBody>
+          <a:bodyPr>
+            <a:normAutofit/>
+          </a:bodyPr>
+          <a:lstStyle/>
+          <a:p>
+            <a:pPr algn="ctr">
+              <a:buNone/>
+            </a:pPr>
+            <a:r>
+              <a:rPr lang="zh-TW" altLang="en-US" sz="5400" b="1" dirty="0" smtClean="0">
+                <a:solidFill>
+                  <a:srgbClr val="660033"/>
+                </a:solidFill>
+                <a:latin typeface="微軟正黑體" pitchFamily="34" charset="-120"/>
+                <a:ea typeface="微軟正黑體" pitchFamily="34" charset="-120"/>
+              </a:rPr>
+              <a:t>忠於使命</a:t>
+            </a:r>
+            <a:endParaRPr lang="en-US" altLang="zh-TW" sz="5400" b="1" dirty="0" smtClean="0">
+              <a:solidFill>
+                <a:srgbClr val="660033"/>
+              </a:solidFill>
+              <a:latin typeface="微軟正黑體" pitchFamily="34" charset="-120"/>
+              <a:ea typeface="微軟正黑體" pitchFamily="34" charset="-120"/>
+            </a:endParaRPr>
+          </a:p>
+          <a:p>
+            <a:pPr algn="ctr">
+              <a:buNone/>
+            </a:pPr>
+            <a:r>
+              <a:rPr lang="zh-TW" altLang="en-US" sz="5400" b="1" dirty="0" smtClean="0">
+                <a:solidFill>
+                  <a:srgbClr val="660033"/>
+                </a:solidFill>
+                <a:latin typeface="微軟正黑體" pitchFamily="34" charset="-120"/>
+                <a:ea typeface="微軟正黑體" pitchFamily="34" charset="-120"/>
+              </a:rPr>
+              <a:t>不惜一切來回應</a:t>
+            </a:r>
+            <a:endParaRPr lang="en-US" altLang="zh-TW" sz="5400" b="1" dirty="0" smtClean="0">
+              <a:solidFill>
+                <a:srgbClr val="660033"/>
+              </a:solidFill>
+              <a:latin typeface="微軟正黑體" pitchFamily="34" charset="-120"/>
+              <a:ea typeface="微軟正黑體" pitchFamily="34" charset="-120"/>
+            </a:endParaRPr>
+          </a:p>
+          <a:p>
+            <a:pPr algn="ctr">
+              <a:buNone/>
+            </a:pPr>
+            <a:r>
+              <a:rPr lang="zh-TW" altLang="en-US" sz="5400" b="1" dirty="0" smtClean="0">
+                <a:solidFill>
+                  <a:srgbClr val="660033"/>
+                </a:solidFill>
+                <a:latin typeface="微軟正黑體" pitchFamily="34" charset="-120"/>
+                <a:ea typeface="微軟正黑體" pitchFamily="34" charset="-120"/>
+              </a:rPr>
+              <a:t>能事奉你是最尊貴</a:t>
+            </a:r>
+            <a:endParaRPr lang="zh-TW" altLang="en-US" sz="5400" b="1" dirty="0">
+              <a:solidFill>
+                <a:srgbClr val="660033"/>
+              </a:solidFill>
+              <a:latin typeface="微軟正黑體" pitchFamily="34" charset="-120"/>
+              <a:ea typeface="微軟正黑體" pitchFamily="34" charset="-120"/>
+            </a:endParaRPr>
+          </a:p>
+        </p:txBody>
+      </p:sp>
+    </p:spTree>
+    <p:extLst>
+      <p:ext uri="{BB962C8B-B14F-4D97-AF65-F5344CB8AC3E}">
+        <p14:creationId xmlns:p14="http://schemas.microsoft.com/office/powerpoint/2010/main" xmlns="" val="3065194905"/>
       </p:ext>
     </p:extLst>
   </p:cSld>
@@ -9159,7 +8744,7 @@
     </p:spTree>
     <p:extLst>
       <p:ext uri="{BB962C8B-B14F-4D97-AF65-F5344CB8AC3E}">
-        <p14:creationId xmlns:p14="http://schemas.microsoft.com/office/powerpoint/2010/main" val="2578575042"/>
+        <p14:creationId xmlns:p14="http://schemas.microsoft.com/office/powerpoint/2010/main" xmlns="" val="2578575042"/>
       </p:ext>
     </p:extLst>
   </p:cSld>
@@ -9242,18 +8827,7 @@
                 <a:latin typeface="微軟正黑體" pitchFamily="34" charset="-120"/>
                 <a:ea typeface="微軟正黑體" pitchFamily="34" charset="-120"/>
               </a:rPr>
-              <a:t>我盾牌與幫</a:t>
-            </a:r>
-            <a:r>
-              <a:rPr lang="zh-TW" altLang="en-US" sz="6400" b="1" dirty="0">
-                <a:solidFill>
-                  <a:srgbClr val="000066"/>
-                </a:solidFill>
-                <a:effectLst/>
-                <a:latin typeface="微軟正黑體" pitchFamily="34" charset="-120"/>
-                <a:ea typeface="微軟正黑體" pitchFamily="34" charset="-120"/>
-              </a:rPr>
-              <a:t>助</a:t>
+              <a:t>我盾牌與幫助</a:t>
             </a:r>
             <a:endParaRPr lang="en-US" altLang="zh-TW" sz="6400" b="1" dirty="0">
               <a:solidFill>
@@ -9277,40 +8851,7 @@
                 <a:latin typeface="微軟正黑體" pitchFamily="34" charset="-120"/>
                 <a:ea typeface="微軟正黑體" pitchFamily="34" charset="-120"/>
               </a:rPr>
-              <a:t>祢</a:t>
-            </a:r>
-            <a:r>
-              <a:rPr lang="zh-TW" altLang="en-US" sz="6400" b="1" dirty="0">
-                <a:solidFill>
-                  <a:srgbClr val="000066"/>
-                </a:solidFill>
-                <a:effectLst/>
-                <a:latin typeface="微軟正黑體" pitchFamily="34" charset="-120"/>
-                <a:ea typeface="微軟正黑體" pitchFamily="34" charset="-120"/>
-              </a:rPr>
-              <a:t>應許我 </a:t>
-            </a:r>
-            <a:r>
-              <a:rPr lang="zh-TW" altLang="en-US" sz="6400" b="1" dirty="0">
-                <a:solidFill>
-                  <a:srgbClr val="000066"/>
-                </a:solidFill>
-                <a:effectLst/>
-                <a:latin typeface="微軟正黑體" pitchFamily="34" charset="-120"/>
-                <a:ea typeface="微軟正黑體" pitchFamily="34" charset="-120"/>
-              </a:rPr>
-              <a:t> 祢</a:t>
-            </a:r>
-            <a:r>
-              <a:rPr lang="zh-TW" altLang="en-US" sz="6400" b="1" dirty="0">
-                <a:solidFill>
-                  <a:srgbClr val="000066"/>
-                </a:solidFill>
-                <a:effectLst/>
-                <a:latin typeface="微軟正黑體" pitchFamily="34" charset="-120"/>
-                <a:ea typeface="微軟正黑體" pitchFamily="34" charset="-120"/>
-              </a:rPr>
-              <a:t>在掌舵</a:t>
+              <a:t>祢應許我  祢在掌舵</a:t>
             </a:r>
             <a:endParaRPr lang="en-US" altLang="zh-TW" sz="6400" b="1" dirty="0">
               <a:solidFill>
@@ -9392,7 +8933,7 @@
     </p:spTree>
     <p:extLst>
       <p:ext uri="{BB962C8B-B14F-4D97-AF65-F5344CB8AC3E}">
-        <p14:creationId xmlns:p14="http://schemas.microsoft.com/office/powerpoint/2010/main" val="2391447012"/>
+        <p14:creationId xmlns:p14="http://schemas.microsoft.com/office/powerpoint/2010/main" xmlns="" val="2391447012"/>
       </p:ext>
     </p:extLst>
   </p:cSld>
@@ -9453,40 +8994,7 @@
                 <a:latin typeface="微軟正黑體" pitchFamily="34" charset="-120"/>
                 <a:ea typeface="微軟正黑體" pitchFamily="34" charset="-120"/>
               </a:rPr>
-              <a:t>我向祢禱告 </a:t>
-            </a:r>
-            <a:r>
-              <a:rPr lang="zh-TW" altLang="en-US" sz="6400" b="1" dirty="0">
-                <a:solidFill>
-                  <a:srgbClr val="000066"/>
-                </a:solidFill>
-                <a:effectLst/>
-                <a:latin typeface="微軟正黑體" pitchFamily="34" charset="-120"/>
-                <a:ea typeface="微軟正黑體" pitchFamily="34" charset="-120"/>
-              </a:rPr>
-              <a:t> 縱</a:t>
-            </a:r>
-            <a:r>
-              <a:rPr lang="zh-TW" altLang="en-US" sz="6400" b="1" dirty="0">
-                <a:solidFill>
-                  <a:srgbClr val="000066"/>
-                </a:solidFill>
-                <a:effectLst/>
-                <a:latin typeface="微軟正黑體" pitchFamily="34" charset="-120"/>
-                <a:ea typeface="微軟正黑體" pitchFamily="34" charset="-120"/>
-              </a:rPr>
-              <a:t>使我軟</a:t>
-            </a:r>
-            <a:r>
-              <a:rPr lang="zh-TW" altLang="en-US" sz="6400" b="1" dirty="0">
-                <a:solidFill>
-                  <a:srgbClr val="000066"/>
-                </a:solidFill>
-                <a:effectLst/>
-                <a:latin typeface="微軟正黑體" pitchFamily="34" charset="-120"/>
-                <a:ea typeface="微軟正黑體" pitchFamily="34" charset="-120"/>
-              </a:rPr>
-              <a:t>弱</a:t>
+              <a:t>我向祢禱告  縱使我軟弱</a:t>
             </a:r>
             <a:endParaRPr lang="en-US" altLang="zh-TW" sz="6400" b="1" dirty="0">
               <a:solidFill>
@@ -9510,40 +9018,7 @@
                 <a:latin typeface="微軟正黑體" pitchFamily="34" charset="-120"/>
                 <a:ea typeface="微軟正黑體" pitchFamily="34" charset="-120"/>
               </a:rPr>
-              <a:t>我</a:t>
-            </a:r>
-            <a:r>
-              <a:rPr lang="zh-TW" altLang="en-US" sz="6400" b="1" dirty="0">
-                <a:solidFill>
-                  <a:srgbClr val="000066"/>
-                </a:solidFill>
-                <a:effectLst/>
-                <a:latin typeface="微軟正黑體" pitchFamily="34" charset="-120"/>
-                <a:ea typeface="微軟正黑體" pitchFamily="34" charset="-120"/>
-              </a:rPr>
-              <a:t>雖失信 </a:t>
-            </a:r>
-            <a:r>
-              <a:rPr lang="zh-TW" altLang="en-US" sz="6400" b="1" dirty="0">
-                <a:solidFill>
-                  <a:srgbClr val="000066"/>
-                </a:solidFill>
-                <a:effectLst/>
-                <a:latin typeface="微軟正黑體" pitchFamily="34" charset="-120"/>
-                <a:ea typeface="微軟正黑體" pitchFamily="34" charset="-120"/>
-              </a:rPr>
-              <a:t> 祢</a:t>
-            </a:r>
-            <a:r>
-              <a:rPr lang="zh-TW" altLang="en-US" sz="6400" b="1" dirty="0">
-                <a:solidFill>
-                  <a:srgbClr val="000066"/>
-                </a:solidFill>
-                <a:effectLst/>
-                <a:latin typeface="微軟正黑體" pitchFamily="34" charset="-120"/>
-                <a:ea typeface="微軟正黑體" pitchFamily="34" charset="-120"/>
-              </a:rPr>
-              <a:t>仍然可信</a:t>
+              <a:t>我雖失信  祢仍然可信</a:t>
             </a:r>
             <a:endParaRPr lang="en-US" altLang="zh-TW" sz="6400" b="1" dirty="0">
               <a:solidFill>
@@ -9625,7 +9100,7 @@
     </p:spTree>
     <p:extLst>
       <p:ext uri="{BB962C8B-B14F-4D97-AF65-F5344CB8AC3E}">
-        <p14:creationId xmlns:p14="http://schemas.microsoft.com/office/powerpoint/2010/main" val="1623210641"/>
+        <p14:creationId xmlns:p14="http://schemas.microsoft.com/office/powerpoint/2010/main" xmlns="" val="1623210641"/>
       </p:ext>
     </p:extLst>
   </p:cSld>
@@ -9686,18 +9161,7 @@
                 <a:latin typeface="微軟正黑體" pitchFamily="34" charset="-120"/>
                 <a:ea typeface="微軟正黑體" pitchFamily="34" charset="-120"/>
               </a:rPr>
-              <a:t>面對的山嶺那麼</a:t>
-            </a:r>
-            <a:r>
-              <a:rPr lang="zh-TW" altLang="en-US" sz="6400" b="1" dirty="0">
-                <a:solidFill>
-                  <a:srgbClr val="000066"/>
-                </a:solidFill>
-                <a:effectLst/>
-                <a:latin typeface="微軟正黑體" pitchFamily="34" charset="-120"/>
-                <a:ea typeface="微軟正黑體" pitchFamily="34" charset="-120"/>
-              </a:rPr>
-              <a:t>高</a:t>
+              <a:t>面對的山嶺那麼高</a:t>
             </a:r>
             <a:endParaRPr lang="en-US" altLang="zh-TW" sz="6400" b="1" dirty="0">
               <a:solidFill>
@@ -9721,18 +9185,7 @@
                 <a:latin typeface="微軟正黑體" pitchFamily="34" charset="-120"/>
                 <a:ea typeface="微軟正黑體" pitchFamily="34" charset="-120"/>
               </a:rPr>
-              <a:t>路</a:t>
-            </a:r>
-            <a:r>
-              <a:rPr lang="zh-TW" altLang="en-US" sz="6400" b="1" dirty="0">
-                <a:solidFill>
-                  <a:srgbClr val="000066"/>
-                </a:solidFill>
-                <a:effectLst/>
-                <a:latin typeface="微軟正黑體" pitchFamily="34" charset="-120"/>
-                <a:ea typeface="微軟正黑體" pitchFamily="34" charset="-120"/>
-              </a:rPr>
-              <a:t>徑艱難如沒去路</a:t>
+              <a:t>路徑艱難如沒去路</a:t>
             </a:r>
             <a:endParaRPr lang="en-US" altLang="zh-TW" sz="6400" b="1" dirty="0">
               <a:solidFill>
@@ -9814,7 +9267,7 @@
     </p:spTree>
     <p:extLst>
       <p:ext uri="{BB962C8B-B14F-4D97-AF65-F5344CB8AC3E}">
-        <p14:creationId xmlns:p14="http://schemas.microsoft.com/office/powerpoint/2010/main" val="2343879168"/>
+        <p14:creationId xmlns:p14="http://schemas.microsoft.com/office/powerpoint/2010/main" xmlns="" val="2343879168"/>
       </p:ext>
     </p:extLst>
   </p:cSld>
@@ -9875,29 +9328,7 @@
                 <a:latin typeface="微軟正黑體" pitchFamily="34" charset="-120"/>
                 <a:ea typeface="微軟正黑體" pitchFamily="34" charset="-120"/>
               </a:rPr>
-              <a:t>但信靠祢 </a:t>
-            </a:r>
-            <a:r>
-              <a:rPr lang="zh-CN" altLang="en-US" sz="6400" b="1" dirty="0">
-                <a:solidFill>
-                  <a:srgbClr val="000066"/>
-                </a:solidFill>
-                <a:effectLst/>
-                <a:latin typeface="微軟正黑體" pitchFamily="34" charset="-120"/>
-                <a:ea typeface="微軟正黑體" pitchFamily="34" charset="-120"/>
-              </a:rPr>
-              <a:t> 祢</a:t>
-            </a:r>
-            <a:r>
-              <a:rPr lang="zh-CN" altLang="en-US" sz="6400" b="1" dirty="0">
-                <a:solidFill>
-                  <a:srgbClr val="000066"/>
-                </a:solidFill>
-                <a:effectLst/>
-                <a:latin typeface="微軟正黑體" pitchFamily="34" charset="-120"/>
-                <a:ea typeface="微軟正黑體" pitchFamily="34" charset="-120"/>
-              </a:rPr>
-              <a:t>定會開路</a:t>
+              <a:t>但信靠祢  祢定會開路</a:t>
             </a:r>
             <a:endParaRPr lang="en-US" altLang="zh-TW" sz="6400" b="1" dirty="0">
               <a:solidFill>
@@ -9979,7 +9410,7 @@
     </p:spTree>
     <p:extLst>
       <p:ext uri="{BB962C8B-B14F-4D97-AF65-F5344CB8AC3E}">
-        <p14:creationId xmlns:p14="http://schemas.microsoft.com/office/powerpoint/2010/main" val="675964328"/>
+        <p14:creationId xmlns:p14="http://schemas.microsoft.com/office/powerpoint/2010/main" xmlns="" val="675964328"/>
       </p:ext>
     </p:extLst>
   </p:cSld>
@@ -10040,29 +9471,7 @@
                 <a:latin typeface="微軟正黑體" pitchFamily="34" charset="-120"/>
                 <a:ea typeface="微軟正黑體" pitchFamily="34" charset="-120"/>
               </a:rPr>
-              <a:t>向世界宣告 </a:t>
-            </a:r>
-            <a:r>
-              <a:rPr lang="zh-TW" altLang="en-US" sz="6400" b="1" dirty="0">
-                <a:solidFill>
-                  <a:srgbClr val="000066"/>
-                </a:solidFill>
-                <a:effectLst/>
-                <a:latin typeface="微軟正黑體" pitchFamily="34" charset="-120"/>
-                <a:ea typeface="微軟正黑體" pitchFamily="34" charset="-120"/>
-              </a:rPr>
-              <a:t>  祢</a:t>
-            </a:r>
-            <a:r>
-              <a:rPr lang="zh-TW" altLang="en-US" sz="6400" b="1" dirty="0">
-                <a:solidFill>
-                  <a:srgbClr val="000066"/>
-                </a:solidFill>
-                <a:effectLst/>
-                <a:latin typeface="微軟正黑體" pitchFamily="34" charset="-120"/>
-                <a:ea typeface="微軟正黑體" pitchFamily="34" charset="-120"/>
-              </a:rPr>
-              <a:t>是我盼望 </a:t>
+              <a:t>向世界宣告   祢是我盼望 </a:t>
             </a:r>
             <a:endParaRPr lang="en-US" altLang="zh-TW" sz="6400" b="1" dirty="0">
               <a:solidFill>
@@ -10086,7 +9495,18 @@
                 <a:latin typeface="微軟正黑體" pitchFamily="34" charset="-120"/>
                 <a:ea typeface="微軟正黑體" pitchFamily="34" charset="-120"/>
               </a:rPr>
-              <a:t>我</a:t>
+              <a:t>我心相信 </a:t>
+            </a:r>
+            <a:r>
+              <a:rPr lang="en-US" altLang="zh-TW" sz="6400" b="1" dirty="0">
+                <a:solidFill>
+                  <a:srgbClr val="000066"/>
+                </a:solidFill>
+                <a:effectLst/>
+                <a:latin typeface="微軟正黑體" pitchFamily="34" charset="-120"/>
+                <a:ea typeface="微軟正黑體" pitchFamily="34" charset="-120"/>
+              </a:rPr>
+              <a:t>  </a:t>
             </a:r>
             <a:r>
               <a:rPr lang="zh-TW" altLang="en-US" sz="6400" b="1" dirty="0">
@@ -10097,73 +9517,7 @@
                 <a:latin typeface="微軟正黑體" pitchFamily="34" charset="-120"/>
                 <a:ea typeface="微軟正黑體" pitchFamily="34" charset="-120"/>
               </a:rPr>
-              <a:t>心相信 </a:t>
-            </a:r>
-            <a:r>
-              <a:rPr lang="en-US" altLang="zh-TW" sz="6400" b="1" dirty="0">
-                <a:solidFill>
-                  <a:srgbClr val="000066"/>
-                </a:solidFill>
-                <a:effectLst/>
-                <a:latin typeface="微軟正黑體" pitchFamily="34" charset="-120"/>
-                <a:ea typeface="微軟正黑體" pitchFamily="34" charset="-120"/>
-              </a:rPr>
-              <a:t> </a:t>
-            </a:r>
-            <a:r>
-              <a:rPr lang="en-US" altLang="zh-TW" sz="6400" b="1" dirty="0">
-                <a:solidFill>
-                  <a:srgbClr val="000066"/>
-                </a:solidFill>
-                <a:effectLst/>
-                <a:latin typeface="微軟正黑體" pitchFamily="34" charset="-120"/>
-                <a:ea typeface="微軟正黑體" pitchFamily="34" charset="-120"/>
-              </a:rPr>
-              <a:t> </a:t>
-            </a:r>
-            <a:r>
-              <a:rPr lang="zh-TW" altLang="en-US" sz="6400" b="1" dirty="0">
-                <a:solidFill>
-                  <a:srgbClr val="000066"/>
-                </a:solidFill>
-                <a:effectLst/>
-                <a:latin typeface="微軟正黑體" pitchFamily="34" charset="-120"/>
-                <a:ea typeface="微軟正黑體" pitchFamily="34" charset="-120"/>
-              </a:rPr>
-              <a:t>靠</a:t>
-            </a:r>
-            <a:r>
-              <a:rPr lang="zh-TW" altLang="en-US" sz="6400" b="1" dirty="0">
-                <a:solidFill>
-                  <a:srgbClr val="000066"/>
-                </a:solidFill>
-                <a:effectLst/>
-                <a:latin typeface="微軟正黑體" pitchFamily="34" charset="-120"/>
-                <a:ea typeface="微軟正黑體" pitchFamily="34" charset="-120"/>
-              </a:rPr>
-              <a:t>著</a:t>
-            </a:r>
-            <a:r>
-              <a:rPr lang="zh-TW" altLang="en-US" sz="6400" b="1" dirty="0">
-                <a:solidFill>
-                  <a:srgbClr val="000066"/>
-                </a:solidFill>
-                <a:effectLst/>
-                <a:latin typeface="微軟正黑體" pitchFamily="34" charset="-120"/>
-                <a:ea typeface="微軟正黑體" pitchFamily="34" charset="-120"/>
-              </a:rPr>
-              <a:t>祢得</a:t>
-            </a:r>
-            <a:r>
-              <a:rPr lang="zh-TW" altLang="en-US" sz="6400" b="1" dirty="0">
-                <a:solidFill>
-                  <a:srgbClr val="000066"/>
-                </a:solidFill>
-                <a:effectLst/>
-                <a:latin typeface="微軟正黑體" pitchFamily="34" charset="-120"/>
-                <a:ea typeface="微軟正黑體" pitchFamily="34" charset="-120"/>
-              </a:rPr>
-              <a:t>勝 </a:t>
+              <a:t>靠著祢得勝 </a:t>
             </a:r>
             <a:endParaRPr lang="en-US" altLang="zh-TW" sz="6400" b="1" dirty="0">
               <a:solidFill>
@@ -10245,7 +9599,7 @@
     </p:spTree>
     <p:extLst>
       <p:ext uri="{BB962C8B-B14F-4D97-AF65-F5344CB8AC3E}">
-        <p14:creationId xmlns:p14="http://schemas.microsoft.com/office/powerpoint/2010/main" val="3549753927"/>
+        <p14:creationId xmlns:p14="http://schemas.microsoft.com/office/powerpoint/2010/main" xmlns="" val="3549753927"/>
       </p:ext>
     </p:extLst>
   </p:cSld>
@@ -10537,7 +9891,7 @@
   <a:extraClrSchemeLst/>
   <a:extLst>
     <a:ext uri="{05A4C25C-085E-4340-85A3-A5531E510DB2}">
-      <thm15:themeFamily xmlns:thm15="http://schemas.microsoft.com/office/thememl/2012/main" name="Theme1" id="{1A8DE197-990E-4893-BF04-3823FBB50F9A}" vid="{430B7048-5A04-4BDB-939A-C7E865DB887B}"/>
+      <thm15:themeFamily xmlns:thm15="http://schemas.microsoft.com/office/thememl/2012/main" xmlns="" name="Theme1" id="{1A8DE197-990E-4893-BF04-3823FBB50F9A}" vid="{430B7048-5A04-4BDB-939A-C7E865DB887B}"/>
     </a:ext>
   </a:extLst>
 </a:theme>
